--- a/slides/data-wrangling.pptx
+++ b/slides/data-wrangling.pptx
@@ -5,7 +5,7 @@
     <p:sldMasterId id="2147483912" r:id="rId1"/>
   </p:sldMasterIdLst>
   <p:notesMasterIdLst>
-    <p:notesMasterId r:id="rId26"/>
+    <p:notesMasterId r:id="rId27"/>
   </p:notesMasterIdLst>
   <p:sldIdLst>
     <p:sldId id="256" r:id="rId2"/>
@@ -25,13 +25,14 @@
     <p:sldId id="275" r:id="rId16"/>
     <p:sldId id="263" r:id="rId17"/>
     <p:sldId id="276" r:id="rId18"/>
-    <p:sldId id="277" r:id="rId19"/>
-    <p:sldId id="279" r:id="rId20"/>
-    <p:sldId id="281" r:id="rId21"/>
-    <p:sldId id="282" r:id="rId22"/>
-    <p:sldId id="283" r:id="rId23"/>
-    <p:sldId id="284" r:id="rId24"/>
-    <p:sldId id="285" r:id="rId25"/>
+    <p:sldId id="286" r:id="rId19"/>
+    <p:sldId id="277" r:id="rId20"/>
+    <p:sldId id="279" r:id="rId21"/>
+    <p:sldId id="281" r:id="rId22"/>
+    <p:sldId id="282" r:id="rId23"/>
+    <p:sldId id="283" r:id="rId24"/>
+    <p:sldId id="284" r:id="rId25"/>
+    <p:sldId id="285" r:id="rId26"/>
   </p:sldIdLst>
   <p:sldSz cx="12192000" cy="6858000"/>
   <p:notesSz cx="6858000" cy="9144000"/>
@@ -220,7 +221,7 @@
           <a:p>
             <a:fld id="{5701B432-CA49-394F-A532-26B0D002A51A}" type="datetimeFigureOut">
               <a:rPr lang="en-US" smtClean="0"/>
-              <a:t>7/7/22</a:t>
+              <a:t>7/15/22</a:t>
             </a:fld>
             <a:endParaRPr lang="en-US"/>
           </a:p>
@@ -571,6 +572,194 @@
 </p:notes>
 </file>
 
+<file path=ppt/notesSlides/notesSlide2.xml><?xml version="1.0" encoding="utf-8"?>
+<p:notes xmlns:a="http://schemas.openxmlformats.org/drawingml/2006/main" xmlns:r="http://schemas.openxmlformats.org/officeDocument/2006/relationships" xmlns:p="http://schemas.openxmlformats.org/presentationml/2006/main">
+  <p:cSld>
+    <p:spTree>
+      <p:nvGrpSpPr>
+        <p:cNvPr id="1" name=""/>
+        <p:cNvGrpSpPr/>
+        <p:nvPr/>
+      </p:nvGrpSpPr>
+      <p:grpSpPr>
+        <a:xfrm>
+          <a:off x="0" y="0"/>
+          <a:ext cx="0" cy="0"/>
+          <a:chOff x="0" y="0"/>
+          <a:chExt cx="0" cy="0"/>
+        </a:xfrm>
+      </p:grpSpPr>
+      <p:sp>
+        <p:nvSpPr>
+          <p:cNvPr id="2" name="Slide Image Placeholder 1"/>
+          <p:cNvSpPr>
+            <a:spLocks noGrp="1" noRot="1" noChangeAspect="1"/>
+          </p:cNvSpPr>
+          <p:nvPr>
+            <p:ph type="sldImg"/>
+          </p:nvPr>
+        </p:nvSpPr>
+        <p:spPr/>
+      </p:sp>
+      <p:sp>
+        <p:nvSpPr>
+          <p:cNvPr id="3" name="Notes Placeholder 2"/>
+          <p:cNvSpPr>
+            <a:spLocks noGrp="1"/>
+          </p:cNvSpPr>
+          <p:nvPr>
+            <p:ph type="body" idx="1"/>
+          </p:nvPr>
+        </p:nvSpPr>
+        <p:spPr/>
+        <p:txBody>
+          <a:bodyPr/>
+          <a:lstStyle/>
+          <a:p>
+            <a:r>
+              <a:rPr lang="en-US" dirty="0"/>
+              <a:t>some but not all </a:t>
+            </a:r>
+            <a:r>
+              <a:rPr lang="en-US"/>
+              <a:t>== subset </a:t>
+            </a:r>
+          </a:p>
+          <a:p>
+            <a:endParaRPr lang="en-US"/>
+          </a:p>
+        </p:txBody>
+      </p:sp>
+      <p:sp>
+        <p:nvSpPr>
+          <p:cNvPr id="4" name="Slide Number Placeholder 3"/>
+          <p:cNvSpPr>
+            <a:spLocks noGrp="1"/>
+          </p:cNvSpPr>
+          <p:nvPr>
+            <p:ph type="sldNum" sz="quarter" idx="5"/>
+          </p:nvPr>
+        </p:nvSpPr>
+        <p:spPr/>
+        <p:txBody>
+          <a:bodyPr/>
+          <a:lstStyle/>
+          <a:p>
+            <a:fld id="{46091E88-276F-A443-B3A6-F8B763DB4F44}" type="slidenum">
+              <a:rPr lang="en-US" smtClean="0"/>
+              <a:t>17</a:t>
+            </a:fld>
+            <a:endParaRPr lang="en-US"/>
+          </a:p>
+        </p:txBody>
+      </p:sp>
+    </p:spTree>
+    <p:extLst>
+      <p:ext uri="{BB962C8B-B14F-4D97-AF65-F5344CB8AC3E}">
+        <p14:creationId xmlns:p14="http://schemas.microsoft.com/office/powerpoint/2010/main" val="4039557919"/>
+      </p:ext>
+    </p:extLst>
+  </p:cSld>
+  <p:clrMapOvr>
+    <a:masterClrMapping/>
+  </p:clrMapOvr>
+</p:notes>
+</file>
+
+<file path=ppt/notesSlides/notesSlide3.xml><?xml version="1.0" encoding="utf-8"?>
+<p:notes xmlns:a="http://schemas.openxmlformats.org/drawingml/2006/main" xmlns:r="http://schemas.openxmlformats.org/officeDocument/2006/relationships" xmlns:p="http://schemas.openxmlformats.org/presentationml/2006/main">
+  <p:cSld>
+    <p:spTree>
+      <p:nvGrpSpPr>
+        <p:cNvPr id="1" name=""/>
+        <p:cNvGrpSpPr/>
+        <p:nvPr/>
+      </p:nvGrpSpPr>
+      <p:grpSpPr>
+        <a:xfrm>
+          <a:off x="0" y="0"/>
+          <a:ext cx="0" cy="0"/>
+          <a:chOff x="0" y="0"/>
+          <a:chExt cx="0" cy="0"/>
+        </a:xfrm>
+      </p:grpSpPr>
+      <p:sp>
+        <p:nvSpPr>
+          <p:cNvPr id="2" name="Slide Image Placeholder 1"/>
+          <p:cNvSpPr>
+            <a:spLocks noGrp="1" noRot="1" noChangeAspect="1"/>
+          </p:cNvSpPr>
+          <p:nvPr>
+            <p:ph type="sldImg"/>
+          </p:nvPr>
+        </p:nvSpPr>
+        <p:spPr/>
+      </p:sp>
+      <p:sp>
+        <p:nvSpPr>
+          <p:cNvPr id="3" name="Notes Placeholder 2"/>
+          <p:cNvSpPr>
+            <a:spLocks noGrp="1"/>
+          </p:cNvSpPr>
+          <p:nvPr>
+            <p:ph type="body" idx="1"/>
+          </p:nvPr>
+        </p:nvSpPr>
+        <p:spPr/>
+        <p:txBody>
+          <a:bodyPr/>
+          <a:lstStyle/>
+          <a:p>
+            <a:r>
+              <a:rPr lang="en-US" dirty="0"/>
+              <a:t>some but not all </a:t>
+            </a:r>
+            <a:r>
+              <a:rPr lang="en-US"/>
+              <a:t>== subset </a:t>
+            </a:r>
+          </a:p>
+          <a:p>
+            <a:endParaRPr lang="en-US"/>
+          </a:p>
+        </p:txBody>
+      </p:sp>
+      <p:sp>
+        <p:nvSpPr>
+          <p:cNvPr id="4" name="Slide Number Placeholder 3"/>
+          <p:cNvSpPr>
+            <a:spLocks noGrp="1"/>
+          </p:cNvSpPr>
+          <p:nvPr>
+            <p:ph type="sldNum" sz="quarter" idx="5"/>
+          </p:nvPr>
+        </p:nvSpPr>
+        <p:spPr/>
+        <p:txBody>
+          <a:bodyPr/>
+          <a:lstStyle/>
+          <a:p>
+            <a:fld id="{46091E88-276F-A443-B3A6-F8B763DB4F44}" type="slidenum">
+              <a:rPr lang="en-US" smtClean="0"/>
+              <a:t>18</a:t>
+            </a:fld>
+            <a:endParaRPr lang="en-US"/>
+          </a:p>
+        </p:txBody>
+      </p:sp>
+    </p:spTree>
+    <p:extLst>
+      <p:ext uri="{BB962C8B-B14F-4D97-AF65-F5344CB8AC3E}">
+        <p14:creationId xmlns:p14="http://schemas.microsoft.com/office/powerpoint/2010/main" val="3657184262"/>
+      </p:ext>
+    </p:extLst>
+  </p:cSld>
+  <p:clrMapOvr>
+    <a:masterClrMapping/>
+  </p:clrMapOvr>
+</p:notes>
+</file>
+
 <file path=ppt/slideLayouts/slideLayout1.xml><?xml version="1.0" encoding="utf-8"?>
 <p:sldLayout xmlns:a="http://schemas.openxmlformats.org/drawingml/2006/main" xmlns:r="http://schemas.openxmlformats.org/officeDocument/2006/relationships" xmlns:p="http://schemas.openxmlformats.org/presentationml/2006/main" showMasterSp="0" type="title" preserve="1">
   <p:cSld name="Title Slide">
@@ -796,7 +985,7 @@
             <a:fld id="{5586B75A-687E-405C-8A0B-8D00578BA2C3}" type="datetimeFigureOut">
               <a:rPr lang="en-US" smtClean="0"/>
               <a:pPr/>
-              <a:t>7/7/22</a:t>
+              <a:t>7/15/22</a:t>
             </a:fld>
             <a:endParaRPr lang="en-US" dirty="0"/>
           </a:p>
@@ -968,7 +1157,7 @@
             <a:fld id="{5586B75A-687E-405C-8A0B-8D00578BA2C3}" type="datetimeFigureOut">
               <a:rPr lang="en-US" smtClean="0"/>
               <a:pPr/>
-              <a:t>7/7/22</a:t>
+              <a:t>7/15/22</a:t>
             </a:fld>
             <a:endParaRPr lang="en-US" dirty="0"/>
           </a:p>
@@ -1150,7 +1339,7 @@
             <a:fld id="{5586B75A-687E-405C-8A0B-8D00578BA2C3}" type="datetimeFigureOut">
               <a:rPr lang="en-US" smtClean="0"/>
               <a:pPr/>
-              <a:t>7/7/22</a:t>
+              <a:t>7/15/22</a:t>
             </a:fld>
             <a:endParaRPr lang="en-US" dirty="0"/>
           </a:p>
@@ -1322,7 +1511,7 @@
             <a:fld id="{5586B75A-687E-405C-8A0B-8D00578BA2C3}" type="datetimeFigureOut">
               <a:rPr lang="en-US" smtClean="0"/>
               <a:pPr/>
-              <a:t>7/7/22</a:t>
+              <a:t>7/15/22</a:t>
             </a:fld>
             <a:endParaRPr lang="en-US" dirty="0"/>
           </a:p>
@@ -1578,7 +1767,7 @@
             <a:fld id="{5586B75A-687E-405C-8A0B-8D00578BA2C3}" type="datetimeFigureOut">
               <a:rPr lang="en-US" smtClean="0"/>
               <a:pPr/>
-              <a:t>7/7/22</a:t>
+              <a:t>7/15/22</a:t>
             </a:fld>
             <a:endParaRPr lang="en-US" dirty="0"/>
           </a:p>
@@ -1868,7 +2057,7 @@
             <a:fld id="{5586B75A-687E-405C-8A0B-8D00578BA2C3}" type="datetimeFigureOut">
               <a:rPr lang="en-US" smtClean="0"/>
               <a:pPr/>
-              <a:t>7/7/22</a:t>
+              <a:t>7/15/22</a:t>
             </a:fld>
             <a:endParaRPr lang="en-US" dirty="0"/>
           </a:p>
@@ -2312,7 +2501,7 @@
             <a:fld id="{5586B75A-687E-405C-8A0B-8D00578BA2C3}" type="datetimeFigureOut">
               <a:rPr lang="en-US" smtClean="0"/>
               <a:pPr/>
-              <a:t>7/7/22</a:t>
+              <a:t>7/15/22</a:t>
             </a:fld>
             <a:endParaRPr lang="en-US" dirty="0"/>
           </a:p>
@@ -2433,7 +2622,7 @@
             <a:fld id="{5586B75A-687E-405C-8A0B-8D00578BA2C3}" type="datetimeFigureOut">
               <a:rPr lang="en-US" smtClean="0"/>
               <a:pPr/>
-              <a:t>7/7/22</a:t>
+              <a:t>7/15/22</a:t>
             </a:fld>
             <a:endParaRPr lang="en-US" dirty="0"/>
           </a:p>
@@ -2530,7 +2719,7 @@
             <a:fld id="{5586B75A-687E-405C-8A0B-8D00578BA2C3}" type="datetimeFigureOut">
               <a:rPr lang="en-US" smtClean="0"/>
               <a:pPr/>
-              <a:t>7/7/22</a:t>
+              <a:t>7/15/22</a:t>
             </a:fld>
             <a:endParaRPr lang="en-US" dirty="0"/>
           </a:p>
@@ -2820,7 +3009,7 @@
             <a:fld id="{5586B75A-687E-405C-8A0B-8D00578BA2C3}" type="datetimeFigureOut">
               <a:rPr lang="en-US" smtClean="0"/>
               <a:pPr/>
-              <a:t>7/7/22</a:t>
+              <a:t>7/15/22</a:t>
             </a:fld>
             <a:endParaRPr lang="en-US" dirty="0"/>
           </a:p>
@@ -3095,7 +3284,7 @@
             <a:fld id="{5586B75A-687E-405C-8A0B-8D00578BA2C3}" type="datetimeFigureOut">
               <a:rPr lang="en-US" smtClean="0"/>
               <a:pPr/>
-              <a:t>7/7/22</a:t>
+              <a:t>7/15/22</a:t>
             </a:fld>
             <a:endParaRPr lang="en-US" dirty="0"/>
           </a:p>
@@ -3394,7 +3583,7 @@
             <a:fld id="{5586B75A-687E-405C-8A0B-8D00578BA2C3}" type="datetimeFigureOut">
               <a:rPr lang="en-US" smtClean="0"/>
               <a:pPr/>
-              <a:t>7/7/22</a:t>
+              <a:t>7/15/22</a:t>
             </a:fld>
             <a:endParaRPr lang="en-US" dirty="0"/>
           </a:p>
@@ -6582,7 +6771,7 @@
           <p:nvPr/>
         </p:nvPicPr>
         <p:blipFill>
-          <a:blip r:embed="rId2"/>
+          <a:blip r:embed="rId3"/>
           <a:stretch>
             <a:fillRect/>
           </a:stretch>
@@ -7207,11 +7396,11 @@
               <a:rPr lang="en-US" sz="2800" b="1" dirty="0">
                 <a:latin typeface="Courier" pitchFamily="2" charset="0"/>
               </a:rPr>
-              <a:t>filter() </a:t>
+              <a:t>select() </a:t>
             </a:r>
             <a:r>
               <a:rPr lang="en-US" sz="2800" dirty="0"/>
-              <a:t>to some (but not all) rows</a:t>
+              <a:t>some (but not all) columns </a:t>
             </a:r>
           </a:p>
           <a:p>
@@ -7246,17 +7435,17 @@
             <a:pPr lvl="1"/>
             <a:r>
               <a:rPr lang="en-US" sz="2600" dirty="0"/>
-              <a:t>Select rows that meet logical criteria. Ex: </a:t>
-            </a:r>
-          </a:p>
-        </p:txBody>
-      </p:sp>
-      <p:sp>
-        <p:nvSpPr>
-          <p:cNvPr id="6" name="Rectangle 5">
-            <a:extLst>
-              <a:ext uri="{FF2B5EF4-FFF2-40B4-BE49-F238E27FC236}">
-                <a16:creationId xmlns:a16="http://schemas.microsoft.com/office/drawing/2014/main" id="{4B8C8884-7FD9-2275-95BF-467B2374BB1C}"/>
+              <a:t>Select column(s) by specifying exclusions. Ex. </a:t>
+            </a:r>
+          </a:p>
+        </p:txBody>
+      </p:sp>
+      <p:sp>
+        <p:nvSpPr>
+          <p:cNvPr id="15" name="Rectangle 14">
+            <a:extLst>
+              <a:ext uri="{FF2B5EF4-FFF2-40B4-BE49-F238E27FC236}">
+                <a16:creationId xmlns:a16="http://schemas.microsoft.com/office/drawing/2014/main" id="{0D8B0C73-1F49-2F03-2D9A-646BE2E34CA4}"/>
               </a:ext>
             </a:extLst>
           </p:cNvPr>
@@ -7265,7 +7454,7 @@
         </p:nvSpPr>
         <p:spPr>
           <a:xfrm>
-            <a:off x="4635690" y="4307636"/>
+            <a:off x="4635690" y="4335066"/>
             <a:ext cx="4863915" cy="1128518"/>
           </a:xfrm>
           <a:prstGeom prst="rect">
@@ -7318,17 +7507,17 @@
                 </a:solidFill>
                 <a:latin typeface="Courier" pitchFamily="2" charset="0"/>
               </a:rPr>
-              <a:t>	filter(a1 == 2)</a:t>
+              <a:t>	select(-a0, -b2)</a:t>
             </a:r>
           </a:p>
         </p:txBody>
       </p:sp>
       <p:pic>
         <p:nvPicPr>
-          <p:cNvPr id="15" name="Picture 14" descr="A picture containing graphical user interface&#10;&#10;Description automatically generated">
-            <a:extLst>
-              <a:ext uri="{FF2B5EF4-FFF2-40B4-BE49-F238E27FC236}">
-                <a16:creationId xmlns:a16="http://schemas.microsoft.com/office/drawing/2014/main" id="{2B1EC2D8-4254-291A-AB7D-A72375129D9A}"/>
+          <p:cNvPr id="25" name="Picture 24" descr="A picture containing chart&#10;&#10;Description automatically generated">
+            <a:extLst>
+              <a:ext uri="{FF2B5EF4-FFF2-40B4-BE49-F238E27FC236}">
+                <a16:creationId xmlns:a16="http://schemas.microsoft.com/office/drawing/2014/main" id="{2ED3B3B7-55CB-1B39-E487-064CA150BA36}"/>
               </a:ext>
             </a:extLst>
           </p:cNvPr>
@@ -7338,15 +7527,15 @@
           <p:nvPr/>
         </p:nvPicPr>
         <p:blipFill>
-          <a:blip r:embed="rId2"/>
+          <a:blip r:embed="rId3"/>
           <a:stretch>
             <a:fillRect/>
           </a:stretch>
         </p:blipFill>
         <p:spPr>
           <a:xfrm>
-            <a:off x="3700518" y="1478015"/>
-            <a:ext cx="7439376" cy="2073567"/>
+            <a:off x="3869268" y="1421846"/>
+            <a:ext cx="6396760" cy="2249005"/>
           </a:xfrm>
           <a:prstGeom prst="rect">
             <a:avLst/>
@@ -7355,10 +7544,10 @@
       </p:pic>
       <p:sp>
         <p:nvSpPr>
-          <p:cNvPr id="16" name="Rectangle 15">
-            <a:extLst>
-              <a:ext uri="{FF2B5EF4-FFF2-40B4-BE49-F238E27FC236}">
-                <a16:creationId xmlns:a16="http://schemas.microsoft.com/office/drawing/2014/main" id="{01D988D5-97BA-2250-33E7-0177349A9325}"/>
+          <p:cNvPr id="26" name="Rectangle 25">
+            <a:extLst>
+              <a:ext uri="{FF2B5EF4-FFF2-40B4-BE49-F238E27FC236}">
+                <a16:creationId xmlns:a16="http://schemas.microsoft.com/office/drawing/2014/main" id="{159032EC-1ECD-9ADD-648E-7456D771CA3E}"/>
               </a:ext>
             </a:extLst>
           </p:cNvPr>
@@ -7409,10 +7598,10 @@
       </p:sp>
       <p:sp>
         <p:nvSpPr>
-          <p:cNvPr id="17" name="Rectangle 16">
-            <a:extLst>
-              <a:ext uri="{FF2B5EF4-FFF2-40B4-BE49-F238E27FC236}">
-                <a16:creationId xmlns:a16="http://schemas.microsoft.com/office/drawing/2014/main" id="{BCF0E3BC-3DDF-6303-49BD-5605683B993A}"/>
+          <p:cNvPr id="27" name="Rectangle 26">
+            <a:extLst>
+              <a:ext uri="{FF2B5EF4-FFF2-40B4-BE49-F238E27FC236}">
+                <a16:creationId xmlns:a16="http://schemas.microsoft.com/office/drawing/2014/main" id="{7601634B-0720-36F1-9D01-6B99577E3321}"/>
               </a:ext>
             </a:extLst>
           </p:cNvPr>
@@ -7463,10 +7652,10 @@
       </p:sp>
       <p:sp>
         <p:nvSpPr>
-          <p:cNvPr id="18" name="Rectangle 17">
-            <a:extLst>
-              <a:ext uri="{FF2B5EF4-FFF2-40B4-BE49-F238E27FC236}">
-                <a16:creationId xmlns:a16="http://schemas.microsoft.com/office/drawing/2014/main" id="{D65D1DA7-F682-FD31-3471-21BA45712BC4}"/>
+          <p:cNvPr id="28" name="Rectangle 27">
+            <a:extLst>
+              <a:ext uri="{FF2B5EF4-FFF2-40B4-BE49-F238E27FC236}">
+                <a16:creationId xmlns:a16="http://schemas.microsoft.com/office/drawing/2014/main" id="{1ACE3886-B995-EABA-260F-8DE98707853E}"/>
               </a:ext>
             </a:extLst>
           </p:cNvPr>
@@ -7536,10 +7725,10 @@
       </p:sp>
       <p:sp>
         <p:nvSpPr>
-          <p:cNvPr id="19" name="Rectangle 18">
-            <a:extLst>
-              <a:ext uri="{FF2B5EF4-FFF2-40B4-BE49-F238E27FC236}">
-                <a16:creationId xmlns:a16="http://schemas.microsoft.com/office/drawing/2014/main" id="{CC8720FE-7422-127B-94AB-CF5A73366FC1}"/>
+          <p:cNvPr id="29" name="Rectangle 28">
+            <a:extLst>
+              <a:ext uri="{FF2B5EF4-FFF2-40B4-BE49-F238E27FC236}">
+                <a16:creationId xmlns:a16="http://schemas.microsoft.com/office/drawing/2014/main" id="{99AC9534-2CE9-2DF5-30D6-17802C1630D3}"/>
               </a:ext>
             </a:extLst>
           </p:cNvPr>
@@ -7609,10 +7798,10 @@
       </p:sp>
       <p:sp>
         <p:nvSpPr>
-          <p:cNvPr id="20" name="Rectangle 19">
-            <a:extLst>
-              <a:ext uri="{FF2B5EF4-FFF2-40B4-BE49-F238E27FC236}">
-                <a16:creationId xmlns:a16="http://schemas.microsoft.com/office/drawing/2014/main" id="{634BD23F-E444-8B1B-89B8-FB8C75CA1940}"/>
+          <p:cNvPr id="30" name="Rectangle 29">
+            <a:extLst>
+              <a:ext uri="{FF2B5EF4-FFF2-40B4-BE49-F238E27FC236}">
+                <a16:creationId xmlns:a16="http://schemas.microsoft.com/office/drawing/2014/main" id="{42E78CAB-525A-9603-AEBA-3A180D75DAD2}"/>
               </a:ext>
             </a:extLst>
           </p:cNvPr>
@@ -7682,10 +7871,10 @@
       </p:sp>
       <p:sp>
         <p:nvSpPr>
-          <p:cNvPr id="21" name="Rectangle 20">
-            <a:extLst>
-              <a:ext uri="{FF2B5EF4-FFF2-40B4-BE49-F238E27FC236}">
-                <a16:creationId xmlns:a16="http://schemas.microsoft.com/office/drawing/2014/main" id="{5A9A0C49-F093-0F3B-1738-97C81799FD73}"/>
+          <p:cNvPr id="31" name="Rectangle 30">
+            <a:extLst>
+              <a:ext uri="{FF2B5EF4-FFF2-40B4-BE49-F238E27FC236}">
+                <a16:creationId xmlns:a16="http://schemas.microsoft.com/office/drawing/2014/main" id="{7BA59D14-C09D-52DE-673F-C5E87C131917}"/>
               </a:ext>
             </a:extLst>
           </p:cNvPr>
@@ -7694,191 +7883,7 @@
         </p:nvSpPr>
         <p:spPr>
           <a:xfrm>
-            <a:off x="5185731" y="2029982"/>
-            <a:ext cx="399468" cy="523220"/>
-          </a:xfrm>
-          <a:prstGeom prst="rect">
-            <a:avLst/>
-          </a:prstGeom>
-          <a:noFill/>
-        </p:spPr>
-        <p:txBody>
-          <a:bodyPr wrap="none" lIns="91440" tIns="45720" rIns="91440" bIns="45720">
-            <a:spAutoFit/>
-          </a:bodyPr>
-          <a:lstStyle/>
-          <a:p>
-            <a:pPr algn="ctr"/>
-            <a:r>
-              <a:rPr lang="en-US" sz="2800" dirty="0">
-                <a:ln w="0"/>
-                <a:effectLst>
-                  <a:outerShdw blurRad="38100" dist="19050" dir="2700000" algn="tl" rotWithShape="0">
-                    <a:schemeClr val="dk1">
-                      <a:alpha val="40000"/>
-                    </a:schemeClr>
-                  </a:outerShdw>
-                </a:effectLst>
-                <a:latin typeface="Courier" pitchFamily="2" charset="0"/>
-              </a:rPr>
-              <a:t>4</a:t>
-            </a:r>
-          </a:p>
-        </p:txBody>
-      </p:sp>
-      <p:sp>
-        <p:nvSpPr>
-          <p:cNvPr id="22" name="Rectangle 21">
-            <a:extLst>
-              <a:ext uri="{FF2B5EF4-FFF2-40B4-BE49-F238E27FC236}">
-                <a16:creationId xmlns:a16="http://schemas.microsoft.com/office/drawing/2014/main" id="{33D6C51C-585A-7AC3-6EFB-B0D4C49F92E1}"/>
-              </a:ext>
-            </a:extLst>
-          </p:cNvPr>
-          <p:cNvSpPr/>
-          <p:nvPr/>
-        </p:nvSpPr>
-        <p:spPr>
-          <a:xfrm>
-            <a:off x="5192358" y="2354661"/>
-            <a:ext cx="399468" cy="523220"/>
-          </a:xfrm>
-          <a:prstGeom prst="rect">
-            <a:avLst/>
-          </a:prstGeom>
-          <a:noFill/>
-        </p:spPr>
-        <p:txBody>
-          <a:bodyPr wrap="none" lIns="91440" tIns="45720" rIns="91440" bIns="45720">
-            <a:spAutoFit/>
-          </a:bodyPr>
-          <a:lstStyle/>
-          <a:p>
-            <a:pPr algn="ctr"/>
-            <a:r>
-              <a:rPr lang="en-US" sz="2800" dirty="0">
-                <a:ln w="0"/>
-                <a:effectLst>
-                  <a:outerShdw blurRad="38100" dist="19050" dir="2700000" algn="tl" rotWithShape="0">
-                    <a:schemeClr val="dk1">
-                      <a:alpha val="40000"/>
-                    </a:schemeClr>
-                  </a:outerShdw>
-                </a:effectLst>
-                <a:latin typeface="Courier" pitchFamily="2" charset="0"/>
-              </a:rPr>
-              <a:t>2</a:t>
-            </a:r>
-          </a:p>
-        </p:txBody>
-      </p:sp>
-      <p:sp>
-        <p:nvSpPr>
-          <p:cNvPr id="23" name="Rectangle 22">
-            <a:extLst>
-              <a:ext uri="{FF2B5EF4-FFF2-40B4-BE49-F238E27FC236}">
-                <a16:creationId xmlns:a16="http://schemas.microsoft.com/office/drawing/2014/main" id="{12DD9D1E-1DCA-AAD0-30DF-FFA3527D7579}"/>
-              </a:ext>
-            </a:extLst>
-          </p:cNvPr>
-          <p:cNvSpPr/>
-          <p:nvPr/>
-        </p:nvSpPr>
-        <p:spPr>
-          <a:xfrm>
-            <a:off x="5185733" y="3010643"/>
-            <a:ext cx="399468" cy="523220"/>
-          </a:xfrm>
-          <a:prstGeom prst="rect">
-            <a:avLst/>
-          </a:prstGeom>
-          <a:noFill/>
-        </p:spPr>
-        <p:txBody>
-          <a:bodyPr wrap="none" lIns="91440" tIns="45720" rIns="91440" bIns="45720">
-            <a:spAutoFit/>
-          </a:bodyPr>
-          <a:lstStyle/>
-          <a:p>
-            <a:pPr algn="ctr"/>
-            <a:r>
-              <a:rPr lang="en-US" sz="2800" dirty="0">
-                <a:ln w="0"/>
-                <a:effectLst>
-                  <a:outerShdw blurRad="38100" dist="19050" dir="2700000" algn="tl" rotWithShape="0">
-                    <a:schemeClr val="dk1">
-                      <a:alpha val="40000"/>
-                    </a:schemeClr>
-                  </a:outerShdw>
-                </a:effectLst>
-                <a:latin typeface="Courier" pitchFamily="2" charset="0"/>
-              </a:rPr>
-              <a:t>1</a:t>
-            </a:r>
-          </a:p>
-        </p:txBody>
-      </p:sp>
-      <p:sp>
-        <p:nvSpPr>
-          <p:cNvPr id="24" name="Rectangle 23">
-            <a:extLst>
-              <a:ext uri="{FF2B5EF4-FFF2-40B4-BE49-F238E27FC236}">
-                <a16:creationId xmlns:a16="http://schemas.microsoft.com/office/drawing/2014/main" id="{D169869C-A7E9-7264-54FD-F5560683ACC8}"/>
-              </a:ext>
-            </a:extLst>
-          </p:cNvPr>
-          <p:cNvSpPr/>
-          <p:nvPr/>
-        </p:nvSpPr>
-        <p:spPr>
-          <a:xfrm>
-            <a:off x="5179106" y="2672710"/>
-            <a:ext cx="399468" cy="523220"/>
-          </a:xfrm>
-          <a:prstGeom prst="rect">
-            <a:avLst/>
-          </a:prstGeom>
-          <a:noFill/>
-        </p:spPr>
-        <p:txBody>
-          <a:bodyPr wrap="none" lIns="91440" tIns="45720" rIns="91440" bIns="45720">
-            <a:spAutoFit/>
-          </a:bodyPr>
-          <a:lstStyle/>
-          <a:p>
-            <a:pPr algn="ctr"/>
-            <a:r>
-              <a:rPr lang="en-US" sz="2800" dirty="0">
-                <a:ln w="0"/>
-                <a:effectLst>
-                  <a:outerShdw blurRad="38100" dist="19050" dir="2700000" algn="tl" rotWithShape="0">
-                    <a:schemeClr val="dk1">
-                      <a:alpha val="40000"/>
-                    </a:schemeClr>
-                  </a:outerShdw>
-                </a:effectLst>
-                <a:latin typeface="Courier" pitchFamily="2" charset="0"/>
-              </a:rPr>
-              <a:t>2</a:t>
-            </a:r>
-          </a:p>
-        </p:txBody>
-      </p:sp>
-      <p:sp>
-        <p:nvSpPr>
-          <p:cNvPr id="33" name="Rectangle 32">
-            <a:extLst>
-              <a:ext uri="{FF2B5EF4-FFF2-40B4-BE49-F238E27FC236}">
-                <a16:creationId xmlns:a16="http://schemas.microsoft.com/office/drawing/2014/main" id="{CBA20353-2624-21D6-159D-A4DFD0045C47}"/>
-              </a:ext>
-            </a:extLst>
-          </p:cNvPr>
-          <p:cNvSpPr/>
-          <p:nvPr/>
-        </p:nvSpPr>
-        <p:spPr>
-          <a:xfrm>
-            <a:off x="7965254" y="1725186"/>
+            <a:off x="8003697" y="1718558"/>
             <a:ext cx="614271" cy="523220"/>
           </a:xfrm>
           <a:prstGeom prst="rect">
@@ -7913,17 +7918,17 @@
                 </a:effectLst>
                 <a:latin typeface="Courier" pitchFamily="2" charset="0"/>
               </a:rPr>
-              <a:t>a0</a:t>
-            </a:r>
-          </a:p>
-        </p:txBody>
-      </p:sp>
-      <p:sp>
-        <p:nvSpPr>
-          <p:cNvPr id="34" name="Rectangle 33">
-            <a:extLst>
-              <a:ext uri="{FF2B5EF4-FFF2-40B4-BE49-F238E27FC236}">
-                <a16:creationId xmlns:a16="http://schemas.microsoft.com/office/drawing/2014/main" id="{A11405E5-430C-5E36-394E-E7EBBBF6E72F}"/>
+              <a:t>a1</a:t>
+            </a:r>
+          </a:p>
+        </p:txBody>
+      </p:sp>
+      <p:sp>
+        <p:nvSpPr>
+          <p:cNvPr id="32" name="Rectangle 31">
+            <a:extLst>
+              <a:ext uri="{FF2B5EF4-FFF2-40B4-BE49-F238E27FC236}">
+                <a16:creationId xmlns:a16="http://schemas.microsoft.com/office/drawing/2014/main" id="{0048871A-A0AB-A317-9FB3-0CFCFA7E5794}"/>
               </a:ext>
             </a:extLst>
           </p:cNvPr>
@@ -7932,61 +7937,7 @@
         </p:nvSpPr>
         <p:spPr>
           <a:xfrm>
-            <a:off x="8484138" y="1725186"/>
-            <a:ext cx="614271" cy="523220"/>
-          </a:xfrm>
-          <a:prstGeom prst="rect">
-            <a:avLst/>
-          </a:prstGeom>
-          <a:noFill/>
-        </p:spPr>
-        <p:txBody>
-          <a:bodyPr wrap="none" lIns="91440" tIns="45720" rIns="91440" bIns="45720">
-            <a:spAutoFit/>
-          </a:bodyPr>
-          <a:lstStyle/>
-          <a:p>
-            <a:pPr algn="ctr"/>
-            <a:r>
-              <a:rPr lang="en-US" sz="2800" b="1" cap="none" spc="0" dirty="0">
-                <a:ln w="10160">
-                  <a:solidFill>
-                    <a:schemeClr val="accent5"/>
-                  </a:solidFill>
-                  <a:prstDash val="solid"/>
-                </a:ln>
-                <a:solidFill>
-                  <a:srgbClr val="FFFFFF"/>
-                </a:solidFill>
-                <a:effectLst>
-                  <a:outerShdw blurRad="38100" dist="22860" dir="5400000" algn="tl" rotWithShape="0">
-                    <a:srgbClr val="000000">
-                      <a:alpha val="30000"/>
-                    </a:srgbClr>
-                  </a:outerShdw>
-                </a:effectLst>
-                <a:latin typeface="Courier" pitchFamily="2" charset="0"/>
-              </a:rPr>
-              <a:t>a1</a:t>
-            </a:r>
-          </a:p>
-        </p:txBody>
-      </p:sp>
-      <p:sp>
-        <p:nvSpPr>
-          <p:cNvPr id="35" name="Rectangle 34">
-            <a:extLst>
-              <a:ext uri="{FF2B5EF4-FFF2-40B4-BE49-F238E27FC236}">
-                <a16:creationId xmlns:a16="http://schemas.microsoft.com/office/drawing/2014/main" id="{564274F3-E8A3-9DAD-03BF-90C04E81A59C}"/>
-              </a:ext>
-            </a:extLst>
-          </p:cNvPr>
-          <p:cNvSpPr/>
-          <p:nvPr/>
-        </p:nvSpPr>
-        <p:spPr>
-          <a:xfrm>
-            <a:off x="9003130" y="1728258"/>
+            <a:off x="8522637" y="1718558"/>
             <a:ext cx="614271" cy="523220"/>
           </a:xfrm>
           <a:prstGeom prst="rect">
@@ -8047,10 +7998,10 @@
       </p:sp>
       <p:sp>
         <p:nvSpPr>
-          <p:cNvPr id="36" name="Rectangle 35">
-            <a:extLst>
-              <a:ext uri="{FF2B5EF4-FFF2-40B4-BE49-F238E27FC236}">
-                <a16:creationId xmlns:a16="http://schemas.microsoft.com/office/drawing/2014/main" id="{1B413CFA-396F-AF45-D26E-ECDD339F9DBA}"/>
+          <p:cNvPr id="33" name="Rectangle 32">
+            <a:extLst>
+              <a:ext uri="{FF2B5EF4-FFF2-40B4-BE49-F238E27FC236}">
+                <a16:creationId xmlns:a16="http://schemas.microsoft.com/office/drawing/2014/main" id="{34EB6DE2-6540-2152-8F9F-F60964886AD3}"/>
               </a:ext>
             </a:extLst>
           </p:cNvPr>
@@ -8059,7 +8010,7 @@
         </p:nvSpPr>
         <p:spPr>
           <a:xfrm>
-            <a:off x="9522015" y="1727106"/>
+            <a:off x="9052993" y="1718558"/>
             <a:ext cx="614271" cy="523220"/>
           </a:xfrm>
           <a:prstGeom prst="rect">
@@ -8075,7 +8026,7 @@
           <a:p>
             <a:pPr algn="ctr"/>
             <a:r>
-              <a:rPr lang="en-US" sz="2800" b="1" dirty="0">
+              <a:rPr lang="en-US" sz="2800" b="1" cap="none" spc="0" dirty="0">
                 <a:ln w="10160">
                   <a:solidFill>
                     <a:schemeClr val="accent5"/>
@@ -8094,191 +8045,7 @@
                 </a:effectLst>
                 <a:latin typeface="Courier" pitchFamily="2" charset="0"/>
               </a:rPr>
-              <a:t>b2</a:t>
-            </a:r>
-            <a:endParaRPr lang="en-US" sz="2800" b="1" cap="none" spc="0" dirty="0">
-              <a:ln w="10160">
-                <a:solidFill>
-                  <a:schemeClr val="accent5"/>
-                </a:solidFill>
-                <a:prstDash val="solid"/>
-              </a:ln>
-              <a:solidFill>
-                <a:srgbClr val="FFFFFF"/>
-              </a:solidFill>
-              <a:effectLst>
-                <a:outerShdw blurRad="38100" dist="22860" dir="5400000" algn="tl" rotWithShape="0">
-                  <a:srgbClr val="000000">
-                    <a:alpha val="30000"/>
-                  </a:srgbClr>
-                </a:outerShdw>
-              </a:effectLst>
-              <a:latin typeface="Courier" pitchFamily="2" charset="0"/>
-            </a:endParaRPr>
-          </a:p>
-        </p:txBody>
-      </p:sp>
-      <p:sp>
-        <p:nvSpPr>
-          <p:cNvPr id="37" name="Rectangle 36">
-            <a:extLst>
-              <a:ext uri="{FF2B5EF4-FFF2-40B4-BE49-F238E27FC236}">
-                <a16:creationId xmlns:a16="http://schemas.microsoft.com/office/drawing/2014/main" id="{27129EDE-574D-81AE-FF21-3F3BC3042CC1}"/>
-              </a:ext>
-            </a:extLst>
-          </p:cNvPr>
-          <p:cNvSpPr/>
-          <p:nvPr/>
-        </p:nvSpPr>
-        <p:spPr>
-          <a:xfrm>
-            <a:off x="10040956" y="1729699"/>
-            <a:ext cx="614271" cy="523220"/>
-          </a:xfrm>
-          <a:prstGeom prst="rect">
-            <a:avLst/>
-          </a:prstGeom>
-          <a:noFill/>
-        </p:spPr>
-        <p:txBody>
-          <a:bodyPr wrap="none" lIns="91440" tIns="45720" rIns="91440" bIns="45720">
-            <a:spAutoFit/>
-          </a:bodyPr>
-          <a:lstStyle/>
-          <a:p>
-            <a:pPr algn="ctr"/>
-            <a:r>
-              <a:rPr lang="en-US" sz="2800" b="1" dirty="0">
-                <a:ln w="10160">
-                  <a:solidFill>
-                    <a:schemeClr val="accent5"/>
-                  </a:solidFill>
-                  <a:prstDash val="solid"/>
-                </a:ln>
-                <a:solidFill>
-                  <a:srgbClr val="FFFFFF"/>
-                </a:solidFill>
-                <a:effectLst>
-                  <a:outerShdw blurRad="38100" dist="22860" dir="5400000" algn="tl" rotWithShape="0">
-                    <a:srgbClr val="000000">
-                      <a:alpha val="30000"/>
-                    </a:srgbClr>
-                  </a:outerShdw>
-                </a:effectLst>
-                <a:latin typeface="Courier" pitchFamily="2" charset="0"/>
-              </a:rPr>
               <a:t>c1</a:t>
-            </a:r>
-            <a:endParaRPr lang="en-US" sz="2800" b="1" cap="none" spc="0" dirty="0">
-              <a:ln w="10160">
-                <a:solidFill>
-                  <a:schemeClr val="accent5"/>
-                </a:solidFill>
-                <a:prstDash val="solid"/>
-              </a:ln>
-              <a:solidFill>
-                <a:srgbClr val="FFFFFF"/>
-              </a:solidFill>
-              <a:effectLst>
-                <a:outerShdw blurRad="38100" dist="22860" dir="5400000" algn="tl" rotWithShape="0">
-                  <a:srgbClr val="000000">
-                    <a:alpha val="30000"/>
-                  </a:srgbClr>
-                </a:outerShdw>
-              </a:effectLst>
-              <a:latin typeface="Courier" pitchFamily="2" charset="0"/>
-            </a:endParaRPr>
-          </a:p>
-        </p:txBody>
-      </p:sp>
-      <p:sp>
-        <p:nvSpPr>
-          <p:cNvPr id="38" name="Rectangle 37">
-            <a:extLst>
-              <a:ext uri="{FF2B5EF4-FFF2-40B4-BE49-F238E27FC236}">
-                <a16:creationId xmlns:a16="http://schemas.microsoft.com/office/drawing/2014/main" id="{31362EBC-3442-7A7E-0F40-6DEC2EDDC571}"/>
-              </a:ext>
-            </a:extLst>
-          </p:cNvPr>
-          <p:cNvSpPr/>
-          <p:nvPr/>
-        </p:nvSpPr>
-        <p:spPr>
-          <a:xfrm>
-            <a:off x="8624671" y="2063114"/>
-            <a:ext cx="399468" cy="523220"/>
-          </a:xfrm>
-          <a:prstGeom prst="rect">
-            <a:avLst/>
-          </a:prstGeom>
-          <a:noFill/>
-        </p:spPr>
-        <p:txBody>
-          <a:bodyPr wrap="none" lIns="91440" tIns="45720" rIns="91440" bIns="45720">
-            <a:spAutoFit/>
-          </a:bodyPr>
-          <a:lstStyle/>
-          <a:p>
-            <a:pPr algn="ctr"/>
-            <a:r>
-              <a:rPr lang="en-US" sz="2800" dirty="0">
-                <a:ln w="0"/>
-                <a:effectLst>
-                  <a:outerShdw blurRad="38100" dist="19050" dir="2700000" algn="tl" rotWithShape="0">
-                    <a:schemeClr val="dk1">
-                      <a:alpha val="40000"/>
-                    </a:schemeClr>
-                  </a:outerShdw>
-                </a:effectLst>
-                <a:latin typeface="Courier" pitchFamily="2" charset="0"/>
-              </a:rPr>
-              <a:t>2</a:t>
-            </a:r>
-          </a:p>
-        </p:txBody>
-      </p:sp>
-      <p:sp>
-        <p:nvSpPr>
-          <p:cNvPr id="39" name="Rectangle 38">
-            <a:extLst>
-              <a:ext uri="{FF2B5EF4-FFF2-40B4-BE49-F238E27FC236}">
-                <a16:creationId xmlns:a16="http://schemas.microsoft.com/office/drawing/2014/main" id="{0E1B11E3-B111-92D2-C2CC-B52236336890}"/>
-              </a:ext>
-            </a:extLst>
-          </p:cNvPr>
-          <p:cNvSpPr/>
-          <p:nvPr/>
-        </p:nvSpPr>
-        <p:spPr>
-          <a:xfrm>
-            <a:off x="8631298" y="2387793"/>
-            <a:ext cx="399468" cy="523220"/>
-          </a:xfrm>
-          <a:prstGeom prst="rect">
-            <a:avLst/>
-          </a:prstGeom>
-          <a:noFill/>
-        </p:spPr>
-        <p:txBody>
-          <a:bodyPr wrap="none" lIns="91440" tIns="45720" rIns="91440" bIns="45720">
-            <a:spAutoFit/>
-          </a:bodyPr>
-          <a:lstStyle/>
-          <a:p>
-            <a:pPr algn="ctr"/>
-            <a:r>
-              <a:rPr lang="en-US" sz="2800" dirty="0">
-                <a:ln w="0"/>
-                <a:effectLst>
-                  <a:outerShdw blurRad="38100" dist="19050" dir="2700000" algn="tl" rotWithShape="0">
-                    <a:schemeClr val="dk1">
-                      <a:alpha val="40000"/>
-                    </a:schemeClr>
-                  </a:outerShdw>
-                </a:effectLst>
-                <a:latin typeface="Courier" pitchFamily="2" charset="0"/>
-              </a:rPr>
-              <a:t>2</a:t>
             </a:r>
           </a:p>
         </p:txBody>
@@ -8286,7 +8053,7 @@
     </p:spTree>
     <p:extLst>
       <p:ext uri="{BB962C8B-B14F-4D97-AF65-F5344CB8AC3E}">
-        <p14:creationId xmlns:p14="http://schemas.microsoft.com/office/powerpoint/2010/main" val="3201966249"/>
+        <p14:creationId xmlns:p14="http://schemas.microsoft.com/office/powerpoint/2010/main" val="1936911927"/>
       </p:ext>
     </p:extLst>
   </p:cSld>
@@ -8315,55 +8082,6 @@
       </p:grpSpPr>
       <p:sp>
         <p:nvSpPr>
-          <p:cNvPr id="14" name="Rectangle 13">
-            <a:extLst>
-              <a:ext uri="{FF2B5EF4-FFF2-40B4-BE49-F238E27FC236}">
-                <a16:creationId xmlns:a16="http://schemas.microsoft.com/office/drawing/2014/main" id="{48243988-42BE-A59E-3755-812C282C928B}"/>
-              </a:ext>
-            </a:extLst>
-          </p:cNvPr>
-          <p:cNvSpPr/>
-          <p:nvPr/>
-        </p:nvSpPr>
-        <p:spPr>
-          <a:xfrm>
-            <a:off x="7659757" y="3873187"/>
-            <a:ext cx="1957644" cy="421198"/>
-          </a:xfrm>
-          <a:prstGeom prst="rect">
-            <a:avLst/>
-          </a:prstGeom>
-          <a:ln>
-            <a:noFill/>
-          </a:ln>
-        </p:spPr>
-        <p:style>
-          <a:lnRef idx="2">
-            <a:schemeClr val="accent3">
-              <a:shade val="50000"/>
-            </a:schemeClr>
-          </a:lnRef>
-          <a:fillRef idx="1">
-            <a:schemeClr val="accent3"/>
-          </a:fillRef>
-          <a:effectRef idx="0">
-            <a:schemeClr val="accent3"/>
-          </a:effectRef>
-          <a:fontRef idx="minor">
-            <a:schemeClr val="lt1"/>
-          </a:fontRef>
-        </p:style>
-        <p:txBody>
-          <a:bodyPr rtlCol="0" anchor="ctr"/>
-          <a:lstStyle/>
-          <a:p>
-            <a:pPr algn="ctr"/>
-            <a:endParaRPr lang="en-US"/>
-          </a:p>
-        </p:txBody>
-      </p:sp>
-      <p:sp>
-        <p:nvSpPr>
           <p:cNvPr id="2" name="Title 1">
             <a:extLst>
               <a:ext uri="{FF2B5EF4-FFF2-40B4-BE49-F238E27FC236}">
@@ -8545,7 +8263,7 @@
                 </a:solidFill>
                 <a:latin typeface="Courier" pitchFamily="2" charset="0"/>
               </a:rPr>
-              <a:t>	filter((a1 &lt; 3) &amp; (a1 &gt; 1))</a:t>
+              <a:t>	filter(a1 == 2)</a:t>
             </a:r>
           </a:p>
         </p:txBody>
@@ -9510,98 +9228,10 @@
           </a:p>
         </p:txBody>
       </p:sp>
-      <p:pic>
-        <p:nvPicPr>
-          <p:cNvPr id="25" name="Picture 24" descr="Table&#10;&#10;Description automatically generated">
-            <a:extLst>
-              <a:ext uri="{FF2B5EF4-FFF2-40B4-BE49-F238E27FC236}">
-                <a16:creationId xmlns:a16="http://schemas.microsoft.com/office/drawing/2014/main" id="{99669374-B424-EFF2-D0F9-1108A81DDC9F}"/>
-              </a:ext>
-            </a:extLst>
-          </p:cNvPr>
-          <p:cNvPicPr>
-            <a:picLocks noChangeAspect="1"/>
-          </p:cNvPicPr>
-          <p:nvPr/>
-        </p:nvPicPr>
-        <p:blipFill>
-          <a:blip r:embed="rId3"/>
-          <a:stretch>
-            <a:fillRect/>
-          </a:stretch>
-        </p:blipFill>
-        <p:spPr>
-          <a:xfrm>
-            <a:off x="563914" y="1343032"/>
-            <a:ext cx="3517900" cy="4826000"/>
-          </a:xfrm>
-          <a:prstGeom prst="rect">
-            <a:avLst/>
-          </a:prstGeom>
-          <a:ln w="38100" cap="sq">
-            <a:solidFill>
-              <a:srgbClr val="000000"/>
-            </a:solidFill>
-            <a:prstDash val="solid"/>
-            <a:miter lim="800000"/>
-          </a:ln>
-          <a:effectLst>
-            <a:outerShdw blurRad="50800" dist="38100" dir="2700000" algn="tl" rotWithShape="0">
-              <a:srgbClr val="000000">
-                <a:alpha val="43000"/>
-              </a:srgbClr>
-            </a:outerShdw>
-          </a:effectLst>
-        </p:spPr>
-      </p:pic>
-      <p:cxnSp>
-        <p:nvCxnSpPr>
-          <p:cNvPr id="5" name="Curved Connector 4">
-            <a:extLst>
-              <a:ext uri="{FF2B5EF4-FFF2-40B4-BE49-F238E27FC236}">
-                <a16:creationId xmlns:a16="http://schemas.microsoft.com/office/drawing/2014/main" id="{25240E4B-DC0D-4F4A-4A58-A34CCC0C6013}"/>
-              </a:ext>
-            </a:extLst>
-          </p:cNvPr>
-          <p:cNvCxnSpPr>
-            <a:cxnSpLocks/>
-          </p:cNvCxnSpPr>
-          <p:nvPr/>
-        </p:nvCxnSpPr>
-        <p:spPr>
-          <a:xfrm>
-            <a:off x="4241984" y="1449199"/>
-            <a:ext cx="4308417" cy="2460192"/>
-          </a:xfrm>
-          <a:prstGeom prst="curvedConnector3">
-            <a:avLst>
-              <a:gd name="adj1" fmla="val 99214"/>
-            </a:avLst>
-          </a:prstGeom>
-          <a:ln w="76200">
-            <a:headEnd type="triangle"/>
-            <a:tailEnd type="triangle"/>
-          </a:ln>
-        </p:spPr>
-        <p:style>
-          <a:lnRef idx="1">
-            <a:schemeClr val="accent3"/>
-          </a:lnRef>
-          <a:fillRef idx="0">
-            <a:schemeClr val="accent3"/>
-          </a:fillRef>
-          <a:effectRef idx="0">
-            <a:schemeClr val="accent3"/>
-          </a:effectRef>
-          <a:fontRef idx="minor">
-            <a:schemeClr val="tx1"/>
-          </a:fontRef>
-        </p:style>
-      </p:cxnSp>
     </p:spTree>
     <p:extLst>
       <p:ext uri="{BB962C8B-B14F-4D97-AF65-F5344CB8AC3E}">
-        <p14:creationId xmlns:p14="http://schemas.microsoft.com/office/powerpoint/2010/main" val="3353713501"/>
+        <p14:creationId xmlns:p14="http://schemas.microsoft.com/office/powerpoint/2010/main" val="3201966249"/>
       </p:ext>
     </p:extLst>
   </p:cSld>
@@ -9711,36 +9341,55 @@
           <a:chExt cx="0" cy="0"/>
         </a:xfrm>
       </p:grpSpPr>
-      <p:pic>
-        <p:nvPicPr>
-          <p:cNvPr id="9" name="Picture 8" descr="A picture containing shape&#10;&#10;Description automatically generated">
-            <a:extLst>
-              <a:ext uri="{FF2B5EF4-FFF2-40B4-BE49-F238E27FC236}">
-                <a16:creationId xmlns:a16="http://schemas.microsoft.com/office/drawing/2014/main" id="{00CB9AA9-19DB-E8DB-5900-4FEAB9AC449E}"/>
-              </a:ext>
-            </a:extLst>
-          </p:cNvPr>
-          <p:cNvPicPr>
-            <a:picLocks noChangeAspect="1"/>
-          </p:cNvPicPr>
+      <p:sp>
+        <p:nvSpPr>
+          <p:cNvPr id="14" name="Rectangle 13">
+            <a:extLst>
+              <a:ext uri="{FF2B5EF4-FFF2-40B4-BE49-F238E27FC236}">
+                <a16:creationId xmlns:a16="http://schemas.microsoft.com/office/drawing/2014/main" id="{48243988-42BE-A59E-3755-812C282C928B}"/>
+              </a:ext>
+            </a:extLst>
+          </p:cNvPr>
+          <p:cNvSpPr/>
           <p:nvPr/>
-        </p:nvPicPr>
-        <p:blipFill>
-          <a:blip r:embed="rId2"/>
-          <a:stretch>
-            <a:fillRect/>
-          </a:stretch>
-        </p:blipFill>
-        <p:spPr>
-          <a:xfrm>
-            <a:off x="4180249" y="1399159"/>
-            <a:ext cx="5215542" cy="2829346"/>
-          </a:xfrm>
-          <a:prstGeom prst="rect">
-            <a:avLst/>
-          </a:prstGeom>
-        </p:spPr>
-      </p:pic>
+        </p:nvSpPr>
+        <p:spPr>
+          <a:xfrm>
+            <a:off x="7659757" y="3873187"/>
+            <a:ext cx="1957644" cy="421198"/>
+          </a:xfrm>
+          <a:prstGeom prst="rect">
+            <a:avLst/>
+          </a:prstGeom>
+          <a:ln>
+            <a:noFill/>
+          </a:ln>
+        </p:spPr>
+        <p:style>
+          <a:lnRef idx="2">
+            <a:schemeClr val="accent3">
+              <a:shade val="50000"/>
+            </a:schemeClr>
+          </a:lnRef>
+          <a:fillRef idx="1">
+            <a:schemeClr val="accent3"/>
+          </a:fillRef>
+          <a:effectRef idx="0">
+            <a:schemeClr val="accent3"/>
+          </a:effectRef>
+          <a:fontRef idx="minor">
+            <a:schemeClr val="lt1"/>
+          </a:fontRef>
+        </p:style>
+        <p:txBody>
+          <a:bodyPr rtlCol="0" anchor="ctr"/>
+          <a:lstStyle/>
+          <a:p>
+            <a:pPr algn="ctr"/>
+            <a:endParaRPr lang="en-US"/>
+          </a:p>
+        </p:txBody>
+      </p:sp>
       <p:sp>
         <p:nvSpPr>
           <p:cNvPr id="2" name="Title 1">
@@ -9813,11 +9462,11 @@
               <a:rPr lang="en-US" sz="2800" b="1" dirty="0">
                 <a:latin typeface="Courier" pitchFamily="2" charset="0"/>
               </a:rPr>
-              <a:t>mutate() </a:t>
+              <a:t>filter() </a:t>
             </a:r>
             <a:r>
               <a:rPr lang="en-US" sz="2800" dirty="0"/>
-              <a:t>the data i.e. add or modify a column</a:t>
+              <a:t>to some (but not all) rows</a:t>
             </a:r>
           </a:p>
           <a:p>
@@ -9852,7 +9501,7 @@
             <a:pPr lvl="1"/>
             <a:r>
               <a:rPr lang="en-US" sz="2600" dirty="0"/>
-              <a:t>Add a column to the dataset as a product of existing column(s). Ex. </a:t>
+              <a:t>Select rows that meet logical criteria. Ex: </a:t>
             </a:r>
           </a:p>
         </p:txBody>
@@ -9871,7 +9520,7 @@
         </p:nvSpPr>
         <p:spPr>
           <a:xfrm>
-            <a:off x="4635768" y="4770094"/>
+            <a:off x="4635690" y="4307636"/>
             <a:ext cx="4863915" cy="1128518"/>
           </a:xfrm>
           <a:prstGeom prst="rect">
@@ -9924,11 +9573,41 @@
                 </a:solidFill>
                 <a:latin typeface="Courier" pitchFamily="2" charset="0"/>
               </a:rPr>
-              <a:t>	mutate(c1 = a0 * 2)</a:t>
-            </a:r>
-          </a:p>
-        </p:txBody>
-      </p:sp>
+              <a:t>	filter((a1 &lt; 3) &amp; (a1 &gt; 1))</a:t>
+            </a:r>
+          </a:p>
+        </p:txBody>
+      </p:sp>
+      <p:pic>
+        <p:nvPicPr>
+          <p:cNvPr id="15" name="Picture 14" descr="A picture containing graphical user interface&#10;&#10;Description automatically generated">
+            <a:extLst>
+              <a:ext uri="{FF2B5EF4-FFF2-40B4-BE49-F238E27FC236}">
+                <a16:creationId xmlns:a16="http://schemas.microsoft.com/office/drawing/2014/main" id="{2B1EC2D8-4254-291A-AB7D-A72375129D9A}"/>
+              </a:ext>
+            </a:extLst>
+          </p:cNvPr>
+          <p:cNvPicPr>
+            <a:picLocks noChangeAspect="1"/>
+          </p:cNvPicPr>
+          <p:nvPr/>
+        </p:nvPicPr>
+        <p:blipFill>
+          <a:blip r:embed="rId2"/>
+          <a:stretch>
+            <a:fillRect/>
+          </a:stretch>
+        </p:blipFill>
+        <p:spPr>
+          <a:xfrm>
+            <a:off x="3700518" y="1478015"/>
+            <a:ext cx="7439376" cy="2073567"/>
+          </a:xfrm>
+          <a:prstGeom prst="rect">
+            <a:avLst/>
+          </a:prstGeom>
+        </p:spPr>
+      </p:pic>
       <p:sp>
         <p:nvSpPr>
           <p:cNvPr id="16" name="Rectangle 15">
@@ -9943,7 +9622,7 @@
         </p:nvSpPr>
         <p:spPr>
           <a:xfrm>
-            <a:off x="4539566" y="1731810"/>
+            <a:off x="4526314" y="1692054"/>
             <a:ext cx="614271" cy="523220"/>
           </a:xfrm>
           <a:prstGeom prst="rect">
@@ -9997,7 +9676,7 @@
         </p:nvSpPr>
         <p:spPr>
           <a:xfrm>
-            <a:off x="5058450" y="1731810"/>
+            <a:off x="5045198" y="1692054"/>
             <a:ext cx="614271" cy="523220"/>
           </a:xfrm>
           <a:prstGeom prst="rect">
@@ -10051,7 +9730,7 @@
         </p:nvSpPr>
         <p:spPr>
           <a:xfrm>
-            <a:off x="5577442" y="1734882"/>
+            <a:off x="5564190" y="1695126"/>
             <a:ext cx="614271" cy="523220"/>
           </a:xfrm>
           <a:prstGeom prst="rect">
@@ -10112,10 +9791,10 @@
       </p:sp>
       <p:sp>
         <p:nvSpPr>
-          <p:cNvPr id="21" name="Rectangle 20">
-            <a:extLst>
-              <a:ext uri="{FF2B5EF4-FFF2-40B4-BE49-F238E27FC236}">
-                <a16:creationId xmlns:a16="http://schemas.microsoft.com/office/drawing/2014/main" id="{5A9A0C49-F093-0F3B-1738-97C81799FD73}"/>
+          <p:cNvPr id="19" name="Rectangle 18">
+            <a:extLst>
+              <a:ext uri="{FF2B5EF4-FFF2-40B4-BE49-F238E27FC236}">
+                <a16:creationId xmlns:a16="http://schemas.microsoft.com/office/drawing/2014/main" id="{CC8720FE-7422-127B-94AB-CF5A73366FC1}"/>
               </a:ext>
             </a:extLst>
           </p:cNvPr>
@@ -10124,253 +9803,7 @@
         </p:nvSpPr>
         <p:spPr>
           <a:xfrm>
-            <a:off x="4642393" y="2295024"/>
-            <a:ext cx="399468" cy="523220"/>
-          </a:xfrm>
-          <a:prstGeom prst="rect">
-            <a:avLst/>
-          </a:prstGeom>
-          <a:noFill/>
-        </p:spPr>
-        <p:txBody>
-          <a:bodyPr wrap="none" lIns="91440" tIns="45720" rIns="91440" bIns="45720">
-            <a:spAutoFit/>
-          </a:bodyPr>
-          <a:lstStyle/>
-          <a:p>
-            <a:pPr algn="ctr"/>
-            <a:r>
-              <a:rPr lang="en-US" sz="2800" dirty="0">
-                <a:ln w="0"/>
-                <a:effectLst>
-                  <a:outerShdw blurRad="38100" dist="19050" dir="2700000" algn="tl" rotWithShape="0">
-                    <a:schemeClr val="dk1">
-                      <a:alpha val="40000"/>
-                    </a:schemeClr>
-                  </a:outerShdw>
-                </a:effectLst>
-                <a:latin typeface="Courier" pitchFamily="2" charset="0"/>
-              </a:rPr>
-              <a:t>4</a:t>
-            </a:r>
-          </a:p>
-        </p:txBody>
-      </p:sp>
-      <p:sp>
-        <p:nvSpPr>
-          <p:cNvPr id="22" name="Rectangle 21">
-            <a:extLst>
-              <a:ext uri="{FF2B5EF4-FFF2-40B4-BE49-F238E27FC236}">
-                <a16:creationId xmlns:a16="http://schemas.microsoft.com/office/drawing/2014/main" id="{33D6C51C-585A-7AC3-6EFB-B0D4C49F92E1}"/>
-              </a:ext>
-            </a:extLst>
-          </p:cNvPr>
-          <p:cNvSpPr/>
-          <p:nvPr/>
-        </p:nvSpPr>
-        <p:spPr>
-          <a:xfrm>
-            <a:off x="4649020" y="2778728"/>
-            <a:ext cx="399468" cy="523220"/>
-          </a:xfrm>
-          <a:prstGeom prst="rect">
-            <a:avLst/>
-          </a:prstGeom>
-          <a:noFill/>
-        </p:spPr>
-        <p:txBody>
-          <a:bodyPr wrap="none" lIns="91440" tIns="45720" rIns="91440" bIns="45720">
-            <a:spAutoFit/>
-          </a:bodyPr>
-          <a:lstStyle/>
-          <a:p>
-            <a:pPr algn="ctr"/>
-            <a:r>
-              <a:rPr lang="en-US" sz="2800" dirty="0">
-                <a:ln w="0"/>
-                <a:effectLst>
-                  <a:outerShdw blurRad="38100" dist="19050" dir="2700000" algn="tl" rotWithShape="0">
-                    <a:schemeClr val="dk1">
-                      <a:alpha val="40000"/>
-                    </a:schemeClr>
-                  </a:outerShdw>
-                </a:effectLst>
-                <a:latin typeface="Courier" pitchFamily="2" charset="0"/>
-              </a:rPr>
-              <a:t>2</a:t>
-            </a:r>
-          </a:p>
-        </p:txBody>
-      </p:sp>
-      <p:sp>
-        <p:nvSpPr>
-          <p:cNvPr id="24" name="Rectangle 23">
-            <a:extLst>
-              <a:ext uri="{FF2B5EF4-FFF2-40B4-BE49-F238E27FC236}">
-                <a16:creationId xmlns:a16="http://schemas.microsoft.com/office/drawing/2014/main" id="{D169869C-A7E9-7264-54FD-F5560683ACC8}"/>
-              </a:ext>
-            </a:extLst>
-          </p:cNvPr>
-          <p:cNvSpPr/>
-          <p:nvPr/>
-        </p:nvSpPr>
-        <p:spPr>
-          <a:xfrm>
-            <a:off x="4635768" y="3282305"/>
-            <a:ext cx="399468" cy="523220"/>
-          </a:xfrm>
-          <a:prstGeom prst="rect">
-            <a:avLst/>
-          </a:prstGeom>
-          <a:noFill/>
-        </p:spPr>
-        <p:txBody>
-          <a:bodyPr wrap="none" lIns="91440" tIns="45720" rIns="91440" bIns="45720">
-            <a:spAutoFit/>
-          </a:bodyPr>
-          <a:lstStyle/>
-          <a:p>
-            <a:pPr algn="ctr"/>
-            <a:r>
-              <a:rPr lang="en-US" sz="2800" dirty="0">
-                <a:ln w="0"/>
-                <a:effectLst>
-                  <a:outerShdw blurRad="38100" dist="19050" dir="2700000" algn="tl" rotWithShape="0">
-                    <a:schemeClr val="dk1">
-                      <a:alpha val="40000"/>
-                    </a:schemeClr>
-                  </a:outerShdw>
-                </a:effectLst>
-                <a:latin typeface="Courier" pitchFamily="2" charset="0"/>
-              </a:rPr>
-              <a:t>2</a:t>
-            </a:r>
-          </a:p>
-        </p:txBody>
-      </p:sp>
-      <p:sp>
-        <p:nvSpPr>
-          <p:cNvPr id="33" name="Rectangle 32">
-            <a:extLst>
-              <a:ext uri="{FF2B5EF4-FFF2-40B4-BE49-F238E27FC236}">
-                <a16:creationId xmlns:a16="http://schemas.microsoft.com/office/drawing/2014/main" id="{CBA20353-2624-21D6-159D-A4DFD0045C47}"/>
-              </a:ext>
-            </a:extLst>
-          </p:cNvPr>
-          <p:cNvSpPr/>
-          <p:nvPr/>
-        </p:nvSpPr>
-        <p:spPr>
-          <a:xfrm>
-            <a:off x="6852074" y="1764942"/>
-            <a:ext cx="614271" cy="523220"/>
-          </a:xfrm>
-          <a:prstGeom prst="rect">
-            <a:avLst/>
-          </a:prstGeom>
-          <a:noFill/>
-        </p:spPr>
-        <p:txBody>
-          <a:bodyPr wrap="none" lIns="91440" tIns="45720" rIns="91440" bIns="45720">
-            <a:spAutoFit/>
-          </a:bodyPr>
-          <a:lstStyle/>
-          <a:p>
-            <a:pPr algn="ctr"/>
-            <a:r>
-              <a:rPr lang="en-US" sz="2800" b="1" cap="none" spc="0" dirty="0">
-                <a:ln w="10160">
-                  <a:solidFill>
-                    <a:schemeClr val="accent5"/>
-                  </a:solidFill>
-                  <a:prstDash val="solid"/>
-                </a:ln>
-                <a:solidFill>
-                  <a:srgbClr val="FFFFFF"/>
-                </a:solidFill>
-                <a:effectLst>
-                  <a:outerShdw blurRad="38100" dist="22860" dir="5400000" algn="tl" rotWithShape="0">
-                    <a:srgbClr val="000000">
-                      <a:alpha val="30000"/>
-                    </a:srgbClr>
-                  </a:outerShdw>
-                </a:effectLst>
-                <a:latin typeface="Courier" pitchFamily="2" charset="0"/>
-              </a:rPr>
-              <a:t>a0</a:t>
-            </a:r>
-          </a:p>
-        </p:txBody>
-      </p:sp>
-      <p:sp>
-        <p:nvSpPr>
-          <p:cNvPr id="34" name="Rectangle 33">
-            <a:extLst>
-              <a:ext uri="{FF2B5EF4-FFF2-40B4-BE49-F238E27FC236}">
-                <a16:creationId xmlns:a16="http://schemas.microsoft.com/office/drawing/2014/main" id="{A11405E5-430C-5E36-394E-E7EBBBF6E72F}"/>
-              </a:ext>
-            </a:extLst>
-          </p:cNvPr>
-          <p:cNvSpPr/>
-          <p:nvPr/>
-        </p:nvSpPr>
-        <p:spPr>
-          <a:xfrm>
-            <a:off x="7370958" y="1764942"/>
-            <a:ext cx="614271" cy="523220"/>
-          </a:xfrm>
-          <a:prstGeom prst="rect">
-            <a:avLst/>
-          </a:prstGeom>
-          <a:noFill/>
-        </p:spPr>
-        <p:txBody>
-          <a:bodyPr wrap="none" lIns="91440" tIns="45720" rIns="91440" bIns="45720">
-            <a:spAutoFit/>
-          </a:bodyPr>
-          <a:lstStyle/>
-          <a:p>
-            <a:pPr algn="ctr"/>
-            <a:r>
-              <a:rPr lang="en-US" sz="2800" b="1" cap="none" spc="0" dirty="0">
-                <a:ln w="10160">
-                  <a:solidFill>
-                    <a:schemeClr val="accent5"/>
-                  </a:solidFill>
-                  <a:prstDash val="solid"/>
-                </a:ln>
-                <a:solidFill>
-                  <a:srgbClr val="FFFFFF"/>
-                </a:solidFill>
-                <a:effectLst>
-                  <a:outerShdw blurRad="38100" dist="22860" dir="5400000" algn="tl" rotWithShape="0">
-                    <a:srgbClr val="000000">
-                      <a:alpha val="30000"/>
-                    </a:srgbClr>
-                  </a:outerShdw>
-                </a:effectLst>
-                <a:latin typeface="Courier" pitchFamily="2" charset="0"/>
-              </a:rPr>
-              <a:t>a1</a:t>
-            </a:r>
-          </a:p>
-        </p:txBody>
-      </p:sp>
-      <p:sp>
-        <p:nvSpPr>
-          <p:cNvPr id="35" name="Rectangle 34">
-            <a:extLst>
-              <a:ext uri="{FF2B5EF4-FFF2-40B4-BE49-F238E27FC236}">
-                <a16:creationId xmlns:a16="http://schemas.microsoft.com/office/drawing/2014/main" id="{564274F3-E8A3-9DAD-03BF-90C04E81A59C}"/>
-              </a:ext>
-            </a:extLst>
-          </p:cNvPr>
-          <p:cNvSpPr/>
-          <p:nvPr/>
-        </p:nvSpPr>
-        <p:spPr>
-          <a:xfrm>
-            <a:off x="7889950" y="1768014"/>
+            <a:off x="6083075" y="1693974"/>
             <a:ext cx="614271" cy="523220"/>
           </a:xfrm>
           <a:prstGeom prst="rect">
@@ -10405,7 +9838,7 @@
                 </a:effectLst>
                 <a:latin typeface="Courier" pitchFamily="2" charset="0"/>
               </a:rPr>
-              <a:t>b1</a:t>
+              <a:t>b2</a:t>
             </a:r>
             <a:endParaRPr lang="en-US" sz="2800" b="1" cap="none" spc="0" dirty="0">
               <a:ln w="10160">
@@ -10431,10 +9864,10 @@
       </p:sp>
       <p:sp>
         <p:nvSpPr>
-          <p:cNvPr id="36" name="Rectangle 35">
-            <a:extLst>
-              <a:ext uri="{FF2B5EF4-FFF2-40B4-BE49-F238E27FC236}">
-                <a16:creationId xmlns:a16="http://schemas.microsoft.com/office/drawing/2014/main" id="{1B413CFA-396F-AF45-D26E-ECDD339F9DBA}"/>
+          <p:cNvPr id="20" name="Rectangle 19">
+            <a:extLst>
+              <a:ext uri="{FF2B5EF4-FFF2-40B4-BE49-F238E27FC236}">
+                <a16:creationId xmlns:a16="http://schemas.microsoft.com/office/drawing/2014/main" id="{634BD23F-E444-8B1B-89B8-FB8C75CA1940}"/>
               </a:ext>
             </a:extLst>
           </p:cNvPr>
@@ -10443,7 +9876,264 @@
         </p:nvSpPr>
         <p:spPr>
           <a:xfrm>
-            <a:off x="8408835" y="1766862"/>
+            <a:off x="6602016" y="1696567"/>
+            <a:ext cx="614271" cy="523220"/>
+          </a:xfrm>
+          <a:prstGeom prst="rect">
+            <a:avLst/>
+          </a:prstGeom>
+          <a:noFill/>
+        </p:spPr>
+        <p:txBody>
+          <a:bodyPr wrap="none" lIns="91440" tIns="45720" rIns="91440" bIns="45720">
+            <a:spAutoFit/>
+          </a:bodyPr>
+          <a:lstStyle/>
+          <a:p>
+            <a:pPr algn="ctr"/>
+            <a:r>
+              <a:rPr lang="en-US" sz="2800" b="1" dirty="0">
+                <a:ln w="10160">
+                  <a:solidFill>
+                    <a:schemeClr val="accent5"/>
+                  </a:solidFill>
+                  <a:prstDash val="solid"/>
+                </a:ln>
+                <a:solidFill>
+                  <a:srgbClr val="FFFFFF"/>
+                </a:solidFill>
+                <a:effectLst>
+                  <a:outerShdw blurRad="38100" dist="22860" dir="5400000" algn="tl" rotWithShape="0">
+                    <a:srgbClr val="000000">
+                      <a:alpha val="30000"/>
+                    </a:srgbClr>
+                  </a:outerShdw>
+                </a:effectLst>
+                <a:latin typeface="Courier" pitchFamily="2" charset="0"/>
+              </a:rPr>
+              <a:t>c1</a:t>
+            </a:r>
+            <a:endParaRPr lang="en-US" sz="2800" b="1" cap="none" spc="0" dirty="0">
+              <a:ln w="10160">
+                <a:solidFill>
+                  <a:schemeClr val="accent5"/>
+                </a:solidFill>
+                <a:prstDash val="solid"/>
+              </a:ln>
+              <a:solidFill>
+                <a:srgbClr val="FFFFFF"/>
+              </a:solidFill>
+              <a:effectLst>
+                <a:outerShdw blurRad="38100" dist="22860" dir="5400000" algn="tl" rotWithShape="0">
+                  <a:srgbClr val="000000">
+                    <a:alpha val="30000"/>
+                  </a:srgbClr>
+                </a:outerShdw>
+              </a:effectLst>
+              <a:latin typeface="Courier" pitchFamily="2" charset="0"/>
+            </a:endParaRPr>
+          </a:p>
+        </p:txBody>
+      </p:sp>
+      <p:sp>
+        <p:nvSpPr>
+          <p:cNvPr id="21" name="Rectangle 20">
+            <a:extLst>
+              <a:ext uri="{FF2B5EF4-FFF2-40B4-BE49-F238E27FC236}">
+                <a16:creationId xmlns:a16="http://schemas.microsoft.com/office/drawing/2014/main" id="{5A9A0C49-F093-0F3B-1738-97C81799FD73}"/>
+              </a:ext>
+            </a:extLst>
+          </p:cNvPr>
+          <p:cNvSpPr/>
+          <p:nvPr/>
+        </p:nvSpPr>
+        <p:spPr>
+          <a:xfrm>
+            <a:off x="5185731" y="2029982"/>
+            <a:ext cx="399468" cy="523220"/>
+          </a:xfrm>
+          <a:prstGeom prst="rect">
+            <a:avLst/>
+          </a:prstGeom>
+          <a:noFill/>
+        </p:spPr>
+        <p:txBody>
+          <a:bodyPr wrap="none" lIns="91440" tIns="45720" rIns="91440" bIns="45720">
+            <a:spAutoFit/>
+          </a:bodyPr>
+          <a:lstStyle/>
+          <a:p>
+            <a:pPr algn="ctr"/>
+            <a:r>
+              <a:rPr lang="en-US" sz="2800" dirty="0">
+                <a:ln w="0"/>
+                <a:effectLst>
+                  <a:outerShdw blurRad="38100" dist="19050" dir="2700000" algn="tl" rotWithShape="0">
+                    <a:schemeClr val="dk1">
+                      <a:alpha val="40000"/>
+                    </a:schemeClr>
+                  </a:outerShdw>
+                </a:effectLst>
+                <a:latin typeface="Courier" pitchFamily="2" charset="0"/>
+              </a:rPr>
+              <a:t>4</a:t>
+            </a:r>
+          </a:p>
+        </p:txBody>
+      </p:sp>
+      <p:sp>
+        <p:nvSpPr>
+          <p:cNvPr id="22" name="Rectangle 21">
+            <a:extLst>
+              <a:ext uri="{FF2B5EF4-FFF2-40B4-BE49-F238E27FC236}">
+                <a16:creationId xmlns:a16="http://schemas.microsoft.com/office/drawing/2014/main" id="{33D6C51C-585A-7AC3-6EFB-B0D4C49F92E1}"/>
+              </a:ext>
+            </a:extLst>
+          </p:cNvPr>
+          <p:cNvSpPr/>
+          <p:nvPr/>
+        </p:nvSpPr>
+        <p:spPr>
+          <a:xfrm>
+            <a:off x="5192358" y="2354661"/>
+            <a:ext cx="399468" cy="523220"/>
+          </a:xfrm>
+          <a:prstGeom prst="rect">
+            <a:avLst/>
+          </a:prstGeom>
+          <a:noFill/>
+        </p:spPr>
+        <p:txBody>
+          <a:bodyPr wrap="none" lIns="91440" tIns="45720" rIns="91440" bIns="45720">
+            <a:spAutoFit/>
+          </a:bodyPr>
+          <a:lstStyle/>
+          <a:p>
+            <a:pPr algn="ctr"/>
+            <a:r>
+              <a:rPr lang="en-US" sz="2800" dirty="0">
+                <a:ln w="0"/>
+                <a:effectLst>
+                  <a:outerShdw blurRad="38100" dist="19050" dir="2700000" algn="tl" rotWithShape="0">
+                    <a:schemeClr val="dk1">
+                      <a:alpha val="40000"/>
+                    </a:schemeClr>
+                  </a:outerShdw>
+                </a:effectLst>
+                <a:latin typeface="Courier" pitchFamily="2" charset="0"/>
+              </a:rPr>
+              <a:t>2</a:t>
+            </a:r>
+          </a:p>
+        </p:txBody>
+      </p:sp>
+      <p:sp>
+        <p:nvSpPr>
+          <p:cNvPr id="23" name="Rectangle 22">
+            <a:extLst>
+              <a:ext uri="{FF2B5EF4-FFF2-40B4-BE49-F238E27FC236}">
+                <a16:creationId xmlns:a16="http://schemas.microsoft.com/office/drawing/2014/main" id="{12DD9D1E-1DCA-AAD0-30DF-FFA3527D7579}"/>
+              </a:ext>
+            </a:extLst>
+          </p:cNvPr>
+          <p:cNvSpPr/>
+          <p:nvPr/>
+        </p:nvSpPr>
+        <p:spPr>
+          <a:xfrm>
+            <a:off x="5185733" y="3010643"/>
+            <a:ext cx="399468" cy="523220"/>
+          </a:xfrm>
+          <a:prstGeom prst="rect">
+            <a:avLst/>
+          </a:prstGeom>
+          <a:noFill/>
+        </p:spPr>
+        <p:txBody>
+          <a:bodyPr wrap="none" lIns="91440" tIns="45720" rIns="91440" bIns="45720">
+            <a:spAutoFit/>
+          </a:bodyPr>
+          <a:lstStyle/>
+          <a:p>
+            <a:pPr algn="ctr"/>
+            <a:r>
+              <a:rPr lang="en-US" sz="2800" dirty="0">
+                <a:ln w="0"/>
+                <a:effectLst>
+                  <a:outerShdw blurRad="38100" dist="19050" dir="2700000" algn="tl" rotWithShape="0">
+                    <a:schemeClr val="dk1">
+                      <a:alpha val="40000"/>
+                    </a:schemeClr>
+                  </a:outerShdw>
+                </a:effectLst>
+                <a:latin typeface="Courier" pitchFamily="2" charset="0"/>
+              </a:rPr>
+              <a:t>1</a:t>
+            </a:r>
+          </a:p>
+        </p:txBody>
+      </p:sp>
+      <p:sp>
+        <p:nvSpPr>
+          <p:cNvPr id="24" name="Rectangle 23">
+            <a:extLst>
+              <a:ext uri="{FF2B5EF4-FFF2-40B4-BE49-F238E27FC236}">
+                <a16:creationId xmlns:a16="http://schemas.microsoft.com/office/drawing/2014/main" id="{D169869C-A7E9-7264-54FD-F5560683ACC8}"/>
+              </a:ext>
+            </a:extLst>
+          </p:cNvPr>
+          <p:cNvSpPr/>
+          <p:nvPr/>
+        </p:nvSpPr>
+        <p:spPr>
+          <a:xfrm>
+            <a:off x="5179106" y="2672710"/>
+            <a:ext cx="399468" cy="523220"/>
+          </a:xfrm>
+          <a:prstGeom prst="rect">
+            <a:avLst/>
+          </a:prstGeom>
+          <a:noFill/>
+        </p:spPr>
+        <p:txBody>
+          <a:bodyPr wrap="none" lIns="91440" tIns="45720" rIns="91440" bIns="45720">
+            <a:spAutoFit/>
+          </a:bodyPr>
+          <a:lstStyle/>
+          <a:p>
+            <a:pPr algn="ctr"/>
+            <a:r>
+              <a:rPr lang="en-US" sz="2800" dirty="0">
+                <a:ln w="0"/>
+                <a:effectLst>
+                  <a:outerShdw blurRad="38100" dist="19050" dir="2700000" algn="tl" rotWithShape="0">
+                    <a:schemeClr val="dk1">
+                      <a:alpha val="40000"/>
+                    </a:schemeClr>
+                  </a:outerShdw>
+                </a:effectLst>
+                <a:latin typeface="Courier" pitchFamily="2" charset="0"/>
+              </a:rPr>
+              <a:t>2</a:t>
+            </a:r>
+          </a:p>
+        </p:txBody>
+      </p:sp>
+      <p:sp>
+        <p:nvSpPr>
+          <p:cNvPr id="33" name="Rectangle 32">
+            <a:extLst>
+              <a:ext uri="{FF2B5EF4-FFF2-40B4-BE49-F238E27FC236}">
+                <a16:creationId xmlns:a16="http://schemas.microsoft.com/office/drawing/2014/main" id="{CBA20353-2624-21D6-159D-A4DFD0045C47}"/>
+              </a:ext>
+            </a:extLst>
+          </p:cNvPr>
+          <p:cNvSpPr/>
+          <p:nvPr/>
+        </p:nvSpPr>
+        <p:spPr>
+          <a:xfrm>
+            <a:off x="7965254" y="1725186"/>
             <a:ext cx="614271" cy="523220"/>
           </a:xfrm>
           <a:prstGeom prst="rect">
@@ -10478,17 +10168,17 @@
                 </a:effectLst>
                 <a:latin typeface="Courier" pitchFamily="2" charset="0"/>
               </a:rPr>
-              <a:t>c1</a:t>
-            </a:r>
-          </a:p>
-        </p:txBody>
-      </p:sp>
-      <p:sp>
-        <p:nvSpPr>
-          <p:cNvPr id="31" name="Rectangle 30">
-            <a:extLst>
-              <a:ext uri="{FF2B5EF4-FFF2-40B4-BE49-F238E27FC236}">
-                <a16:creationId xmlns:a16="http://schemas.microsoft.com/office/drawing/2014/main" id="{88E41FBE-32A7-4C60-F682-588F42F5F9CC}"/>
+              <a:t>a0</a:t>
+            </a:r>
+          </a:p>
+        </p:txBody>
+      </p:sp>
+      <p:sp>
+        <p:nvSpPr>
+          <p:cNvPr id="34" name="Rectangle 33">
+            <a:extLst>
+              <a:ext uri="{FF2B5EF4-FFF2-40B4-BE49-F238E27FC236}">
+                <a16:creationId xmlns:a16="http://schemas.microsoft.com/office/drawing/2014/main" id="{A11405E5-430C-5E36-394E-E7EBBBF6E72F}"/>
               </a:ext>
             </a:extLst>
           </p:cNvPr>
@@ -10497,7 +10187,280 @@
         </p:nvSpPr>
         <p:spPr>
           <a:xfrm>
-            <a:off x="8498779" y="2295026"/>
+            <a:off x="8484138" y="1725186"/>
+            <a:ext cx="614271" cy="523220"/>
+          </a:xfrm>
+          <a:prstGeom prst="rect">
+            <a:avLst/>
+          </a:prstGeom>
+          <a:noFill/>
+        </p:spPr>
+        <p:txBody>
+          <a:bodyPr wrap="none" lIns="91440" tIns="45720" rIns="91440" bIns="45720">
+            <a:spAutoFit/>
+          </a:bodyPr>
+          <a:lstStyle/>
+          <a:p>
+            <a:pPr algn="ctr"/>
+            <a:r>
+              <a:rPr lang="en-US" sz="2800" b="1" cap="none" spc="0" dirty="0">
+                <a:ln w="10160">
+                  <a:solidFill>
+                    <a:schemeClr val="accent5"/>
+                  </a:solidFill>
+                  <a:prstDash val="solid"/>
+                </a:ln>
+                <a:solidFill>
+                  <a:srgbClr val="FFFFFF"/>
+                </a:solidFill>
+                <a:effectLst>
+                  <a:outerShdw blurRad="38100" dist="22860" dir="5400000" algn="tl" rotWithShape="0">
+                    <a:srgbClr val="000000">
+                      <a:alpha val="30000"/>
+                    </a:srgbClr>
+                  </a:outerShdw>
+                </a:effectLst>
+                <a:latin typeface="Courier" pitchFamily="2" charset="0"/>
+              </a:rPr>
+              <a:t>a1</a:t>
+            </a:r>
+          </a:p>
+        </p:txBody>
+      </p:sp>
+      <p:sp>
+        <p:nvSpPr>
+          <p:cNvPr id="35" name="Rectangle 34">
+            <a:extLst>
+              <a:ext uri="{FF2B5EF4-FFF2-40B4-BE49-F238E27FC236}">
+                <a16:creationId xmlns:a16="http://schemas.microsoft.com/office/drawing/2014/main" id="{564274F3-E8A3-9DAD-03BF-90C04E81A59C}"/>
+              </a:ext>
+            </a:extLst>
+          </p:cNvPr>
+          <p:cNvSpPr/>
+          <p:nvPr/>
+        </p:nvSpPr>
+        <p:spPr>
+          <a:xfrm>
+            <a:off x="9003130" y="1728258"/>
+            <a:ext cx="614271" cy="523220"/>
+          </a:xfrm>
+          <a:prstGeom prst="rect">
+            <a:avLst/>
+          </a:prstGeom>
+          <a:noFill/>
+        </p:spPr>
+        <p:txBody>
+          <a:bodyPr wrap="none" lIns="91440" tIns="45720" rIns="91440" bIns="45720">
+            <a:spAutoFit/>
+          </a:bodyPr>
+          <a:lstStyle/>
+          <a:p>
+            <a:pPr algn="ctr"/>
+            <a:r>
+              <a:rPr lang="en-US" sz="2800" b="1" dirty="0">
+                <a:ln w="10160">
+                  <a:solidFill>
+                    <a:schemeClr val="accent5"/>
+                  </a:solidFill>
+                  <a:prstDash val="solid"/>
+                </a:ln>
+                <a:solidFill>
+                  <a:srgbClr val="FFFFFF"/>
+                </a:solidFill>
+                <a:effectLst>
+                  <a:outerShdw blurRad="38100" dist="22860" dir="5400000" algn="tl" rotWithShape="0">
+                    <a:srgbClr val="000000">
+                      <a:alpha val="30000"/>
+                    </a:srgbClr>
+                  </a:outerShdw>
+                </a:effectLst>
+                <a:latin typeface="Courier" pitchFamily="2" charset="0"/>
+              </a:rPr>
+              <a:t>b1</a:t>
+            </a:r>
+            <a:endParaRPr lang="en-US" sz="2800" b="1" cap="none" spc="0" dirty="0">
+              <a:ln w="10160">
+                <a:solidFill>
+                  <a:schemeClr val="accent5"/>
+                </a:solidFill>
+                <a:prstDash val="solid"/>
+              </a:ln>
+              <a:solidFill>
+                <a:srgbClr val="FFFFFF"/>
+              </a:solidFill>
+              <a:effectLst>
+                <a:outerShdw blurRad="38100" dist="22860" dir="5400000" algn="tl" rotWithShape="0">
+                  <a:srgbClr val="000000">
+                    <a:alpha val="30000"/>
+                  </a:srgbClr>
+                </a:outerShdw>
+              </a:effectLst>
+              <a:latin typeface="Courier" pitchFamily="2" charset="0"/>
+            </a:endParaRPr>
+          </a:p>
+        </p:txBody>
+      </p:sp>
+      <p:sp>
+        <p:nvSpPr>
+          <p:cNvPr id="36" name="Rectangle 35">
+            <a:extLst>
+              <a:ext uri="{FF2B5EF4-FFF2-40B4-BE49-F238E27FC236}">
+                <a16:creationId xmlns:a16="http://schemas.microsoft.com/office/drawing/2014/main" id="{1B413CFA-396F-AF45-D26E-ECDD339F9DBA}"/>
+              </a:ext>
+            </a:extLst>
+          </p:cNvPr>
+          <p:cNvSpPr/>
+          <p:nvPr/>
+        </p:nvSpPr>
+        <p:spPr>
+          <a:xfrm>
+            <a:off x="9522015" y="1727106"/>
+            <a:ext cx="614271" cy="523220"/>
+          </a:xfrm>
+          <a:prstGeom prst="rect">
+            <a:avLst/>
+          </a:prstGeom>
+          <a:noFill/>
+        </p:spPr>
+        <p:txBody>
+          <a:bodyPr wrap="none" lIns="91440" tIns="45720" rIns="91440" bIns="45720">
+            <a:spAutoFit/>
+          </a:bodyPr>
+          <a:lstStyle/>
+          <a:p>
+            <a:pPr algn="ctr"/>
+            <a:r>
+              <a:rPr lang="en-US" sz="2800" b="1" dirty="0">
+                <a:ln w="10160">
+                  <a:solidFill>
+                    <a:schemeClr val="accent5"/>
+                  </a:solidFill>
+                  <a:prstDash val="solid"/>
+                </a:ln>
+                <a:solidFill>
+                  <a:srgbClr val="FFFFFF"/>
+                </a:solidFill>
+                <a:effectLst>
+                  <a:outerShdw blurRad="38100" dist="22860" dir="5400000" algn="tl" rotWithShape="0">
+                    <a:srgbClr val="000000">
+                      <a:alpha val="30000"/>
+                    </a:srgbClr>
+                  </a:outerShdw>
+                </a:effectLst>
+                <a:latin typeface="Courier" pitchFamily="2" charset="0"/>
+              </a:rPr>
+              <a:t>b2</a:t>
+            </a:r>
+            <a:endParaRPr lang="en-US" sz="2800" b="1" cap="none" spc="0" dirty="0">
+              <a:ln w="10160">
+                <a:solidFill>
+                  <a:schemeClr val="accent5"/>
+                </a:solidFill>
+                <a:prstDash val="solid"/>
+              </a:ln>
+              <a:solidFill>
+                <a:srgbClr val="FFFFFF"/>
+              </a:solidFill>
+              <a:effectLst>
+                <a:outerShdw blurRad="38100" dist="22860" dir="5400000" algn="tl" rotWithShape="0">
+                  <a:srgbClr val="000000">
+                    <a:alpha val="30000"/>
+                  </a:srgbClr>
+                </a:outerShdw>
+              </a:effectLst>
+              <a:latin typeface="Courier" pitchFamily="2" charset="0"/>
+            </a:endParaRPr>
+          </a:p>
+        </p:txBody>
+      </p:sp>
+      <p:sp>
+        <p:nvSpPr>
+          <p:cNvPr id="37" name="Rectangle 36">
+            <a:extLst>
+              <a:ext uri="{FF2B5EF4-FFF2-40B4-BE49-F238E27FC236}">
+                <a16:creationId xmlns:a16="http://schemas.microsoft.com/office/drawing/2014/main" id="{27129EDE-574D-81AE-FF21-3F3BC3042CC1}"/>
+              </a:ext>
+            </a:extLst>
+          </p:cNvPr>
+          <p:cNvSpPr/>
+          <p:nvPr/>
+        </p:nvSpPr>
+        <p:spPr>
+          <a:xfrm>
+            <a:off x="10040956" y="1729699"/>
+            <a:ext cx="614271" cy="523220"/>
+          </a:xfrm>
+          <a:prstGeom prst="rect">
+            <a:avLst/>
+          </a:prstGeom>
+          <a:noFill/>
+        </p:spPr>
+        <p:txBody>
+          <a:bodyPr wrap="none" lIns="91440" tIns="45720" rIns="91440" bIns="45720">
+            <a:spAutoFit/>
+          </a:bodyPr>
+          <a:lstStyle/>
+          <a:p>
+            <a:pPr algn="ctr"/>
+            <a:r>
+              <a:rPr lang="en-US" sz="2800" b="1" dirty="0">
+                <a:ln w="10160">
+                  <a:solidFill>
+                    <a:schemeClr val="accent5"/>
+                  </a:solidFill>
+                  <a:prstDash val="solid"/>
+                </a:ln>
+                <a:solidFill>
+                  <a:srgbClr val="FFFFFF"/>
+                </a:solidFill>
+                <a:effectLst>
+                  <a:outerShdw blurRad="38100" dist="22860" dir="5400000" algn="tl" rotWithShape="0">
+                    <a:srgbClr val="000000">
+                      <a:alpha val="30000"/>
+                    </a:srgbClr>
+                  </a:outerShdw>
+                </a:effectLst>
+                <a:latin typeface="Courier" pitchFamily="2" charset="0"/>
+              </a:rPr>
+              <a:t>c1</a:t>
+            </a:r>
+            <a:endParaRPr lang="en-US" sz="2800" b="1" cap="none" spc="0" dirty="0">
+              <a:ln w="10160">
+                <a:solidFill>
+                  <a:schemeClr val="accent5"/>
+                </a:solidFill>
+                <a:prstDash val="solid"/>
+              </a:ln>
+              <a:solidFill>
+                <a:srgbClr val="FFFFFF"/>
+              </a:solidFill>
+              <a:effectLst>
+                <a:outerShdw blurRad="38100" dist="22860" dir="5400000" algn="tl" rotWithShape="0">
+                  <a:srgbClr val="000000">
+                    <a:alpha val="30000"/>
+                  </a:srgbClr>
+                </a:outerShdw>
+              </a:effectLst>
+              <a:latin typeface="Courier" pitchFamily="2" charset="0"/>
+            </a:endParaRPr>
+          </a:p>
+        </p:txBody>
+      </p:sp>
+      <p:sp>
+        <p:nvSpPr>
+          <p:cNvPr id="38" name="Rectangle 37">
+            <a:extLst>
+              <a:ext uri="{FF2B5EF4-FFF2-40B4-BE49-F238E27FC236}">
+                <a16:creationId xmlns:a16="http://schemas.microsoft.com/office/drawing/2014/main" id="{31362EBC-3442-7A7E-0F40-6DEC2EDDC571}"/>
+              </a:ext>
+            </a:extLst>
+          </p:cNvPr>
+          <p:cNvSpPr/>
+          <p:nvPr/>
+        </p:nvSpPr>
+        <p:spPr>
+          <a:xfrm>
+            <a:off x="8624671" y="2063114"/>
             <a:ext cx="399468" cy="523220"/>
           </a:xfrm>
           <a:prstGeom prst="rect">
@@ -10524,17 +10487,17 @@
                 </a:effectLst>
                 <a:latin typeface="Courier" pitchFamily="2" charset="0"/>
               </a:rPr>
-              <a:t>8</a:t>
-            </a:r>
-          </a:p>
-        </p:txBody>
-      </p:sp>
-      <p:sp>
-        <p:nvSpPr>
-          <p:cNvPr id="32" name="Rectangle 31">
-            <a:extLst>
-              <a:ext uri="{FF2B5EF4-FFF2-40B4-BE49-F238E27FC236}">
-                <a16:creationId xmlns:a16="http://schemas.microsoft.com/office/drawing/2014/main" id="{219CB645-E921-1BF7-AE27-2A84E64F86C5}"/>
+              <a:t>2</a:t>
+            </a:r>
+          </a:p>
+        </p:txBody>
+      </p:sp>
+      <p:sp>
+        <p:nvSpPr>
+          <p:cNvPr id="39" name="Rectangle 38">
+            <a:extLst>
+              <a:ext uri="{FF2B5EF4-FFF2-40B4-BE49-F238E27FC236}">
+                <a16:creationId xmlns:a16="http://schemas.microsoft.com/office/drawing/2014/main" id="{0E1B11E3-B111-92D2-C2CC-B52236336890}"/>
               </a:ext>
             </a:extLst>
           </p:cNvPr>
@@ -10543,7 +10506,7 @@
         </p:nvSpPr>
         <p:spPr>
           <a:xfrm>
-            <a:off x="8505406" y="2778730"/>
+            <a:off x="8631298" y="2387793"/>
             <a:ext cx="399468" cy="523220"/>
           </a:xfrm>
           <a:prstGeom prst="rect">
@@ -10570,199 +10533,103 @@
                 </a:effectLst>
                 <a:latin typeface="Courier" pitchFamily="2" charset="0"/>
               </a:rPr>
-              <a:t>4</a:t>
-            </a:r>
-          </a:p>
-        </p:txBody>
-      </p:sp>
-      <p:sp>
-        <p:nvSpPr>
-          <p:cNvPr id="40" name="Rectangle 39">
-            <a:extLst>
-              <a:ext uri="{FF2B5EF4-FFF2-40B4-BE49-F238E27FC236}">
-                <a16:creationId xmlns:a16="http://schemas.microsoft.com/office/drawing/2014/main" id="{171C4807-0A37-7078-24EA-C373D3BF4EE4}"/>
-              </a:ext>
-            </a:extLst>
-          </p:cNvPr>
-          <p:cNvSpPr/>
+              <a:t>2</a:t>
+            </a:r>
+          </a:p>
+        </p:txBody>
+      </p:sp>
+      <p:pic>
+        <p:nvPicPr>
+          <p:cNvPr id="25" name="Picture 24" descr="Table&#10;&#10;Description automatically generated">
+            <a:extLst>
+              <a:ext uri="{FF2B5EF4-FFF2-40B4-BE49-F238E27FC236}">
+                <a16:creationId xmlns:a16="http://schemas.microsoft.com/office/drawing/2014/main" id="{99669374-B424-EFF2-D0F9-1108A81DDC9F}"/>
+              </a:ext>
+            </a:extLst>
+          </p:cNvPr>
+          <p:cNvPicPr>
+            <a:picLocks noChangeAspect="1"/>
+          </p:cNvPicPr>
           <p:nvPr/>
-        </p:nvSpPr>
-        <p:spPr>
-          <a:xfrm>
-            <a:off x="8492154" y="3282307"/>
-            <a:ext cx="399468" cy="523220"/>
-          </a:xfrm>
-          <a:prstGeom prst="rect">
-            <a:avLst/>
-          </a:prstGeom>
-          <a:noFill/>
-        </p:spPr>
-        <p:txBody>
-          <a:bodyPr wrap="none" lIns="91440" tIns="45720" rIns="91440" bIns="45720">
-            <a:spAutoFit/>
-          </a:bodyPr>
-          <a:lstStyle/>
-          <a:p>
-            <a:pPr algn="ctr"/>
-            <a:r>
-              <a:rPr lang="en-US" sz="2800" dirty="0">
-                <a:ln w="0"/>
-                <a:effectLst>
-                  <a:outerShdw blurRad="38100" dist="19050" dir="2700000" algn="tl" rotWithShape="0">
-                    <a:schemeClr val="dk1">
-                      <a:alpha val="40000"/>
-                    </a:schemeClr>
-                  </a:outerShdw>
-                </a:effectLst>
-                <a:latin typeface="Courier" pitchFamily="2" charset="0"/>
-              </a:rPr>
-              <a:t>4</a:t>
-            </a:r>
-          </a:p>
-        </p:txBody>
-      </p:sp>
-      <p:sp>
-        <p:nvSpPr>
-          <p:cNvPr id="41" name="Rectangle 40">
-            <a:extLst>
-              <a:ext uri="{FF2B5EF4-FFF2-40B4-BE49-F238E27FC236}">
-                <a16:creationId xmlns:a16="http://schemas.microsoft.com/office/drawing/2014/main" id="{025C2D13-524F-1E10-B836-6CBEBEC1CB9C}"/>
-              </a:ext>
-            </a:extLst>
-          </p:cNvPr>
-          <p:cNvSpPr/>
+        </p:nvPicPr>
+        <p:blipFill>
+          <a:blip r:embed="rId3"/>
+          <a:stretch>
+            <a:fillRect/>
+          </a:stretch>
+        </p:blipFill>
+        <p:spPr>
+          <a:xfrm>
+            <a:off x="563914" y="1343032"/>
+            <a:ext cx="3519381" cy="4828032"/>
+          </a:xfrm>
+          <a:prstGeom prst="rect">
+            <a:avLst/>
+          </a:prstGeom>
+          <a:ln w="38100" cap="sq">
+            <a:solidFill>
+              <a:srgbClr val="000000"/>
+            </a:solidFill>
+            <a:prstDash val="solid"/>
+            <a:miter lim="800000"/>
+          </a:ln>
+          <a:effectLst>
+            <a:outerShdw blurRad="50800" dist="38100" dir="2700000" algn="tl" rotWithShape="0">
+              <a:srgbClr val="000000">
+                <a:alpha val="43000"/>
+              </a:srgbClr>
+            </a:outerShdw>
+          </a:effectLst>
+        </p:spPr>
+      </p:pic>
+      <p:cxnSp>
+        <p:nvCxnSpPr>
+          <p:cNvPr id="5" name="Curved Connector 4">
+            <a:extLst>
+              <a:ext uri="{FF2B5EF4-FFF2-40B4-BE49-F238E27FC236}">
+                <a16:creationId xmlns:a16="http://schemas.microsoft.com/office/drawing/2014/main" id="{25240E4B-DC0D-4F4A-4A58-A34CCC0C6013}"/>
+              </a:ext>
+            </a:extLst>
+          </p:cNvPr>
+          <p:cNvCxnSpPr>
+            <a:cxnSpLocks/>
+          </p:cNvCxnSpPr>
           <p:nvPr/>
-        </p:nvSpPr>
-        <p:spPr>
-          <a:xfrm>
-            <a:off x="6981405" y="2288398"/>
-            <a:ext cx="399468" cy="523220"/>
-          </a:xfrm>
-          <a:prstGeom prst="rect">
-            <a:avLst/>
-          </a:prstGeom>
-          <a:noFill/>
-        </p:spPr>
-        <p:txBody>
-          <a:bodyPr wrap="none" lIns="91440" tIns="45720" rIns="91440" bIns="45720">
-            <a:spAutoFit/>
-          </a:bodyPr>
-          <a:lstStyle/>
-          <a:p>
-            <a:pPr algn="ctr"/>
-            <a:r>
-              <a:rPr lang="en-US" sz="2800" dirty="0">
-                <a:ln w="0"/>
-                <a:effectLst>
-                  <a:outerShdw blurRad="38100" dist="19050" dir="2700000" algn="tl" rotWithShape="0">
-                    <a:schemeClr val="dk1">
-                      <a:alpha val="40000"/>
-                    </a:schemeClr>
-                  </a:outerShdw>
-                </a:effectLst>
-                <a:latin typeface="Courier" pitchFamily="2" charset="0"/>
-              </a:rPr>
-              <a:t>4</a:t>
-            </a:r>
-          </a:p>
-        </p:txBody>
-      </p:sp>
-      <p:sp>
-        <p:nvSpPr>
-          <p:cNvPr id="42" name="Rectangle 41">
-            <a:extLst>
-              <a:ext uri="{FF2B5EF4-FFF2-40B4-BE49-F238E27FC236}">
-                <a16:creationId xmlns:a16="http://schemas.microsoft.com/office/drawing/2014/main" id="{4C94FB20-8C52-D841-C7DA-D33739B94228}"/>
-              </a:ext>
-            </a:extLst>
-          </p:cNvPr>
-          <p:cNvSpPr/>
-          <p:nvPr/>
-        </p:nvSpPr>
-        <p:spPr>
-          <a:xfrm>
-            <a:off x="6988032" y="2772102"/>
-            <a:ext cx="399468" cy="523220"/>
-          </a:xfrm>
-          <a:prstGeom prst="rect">
-            <a:avLst/>
-          </a:prstGeom>
-          <a:noFill/>
-        </p:spPr>
-        <p:txBody>
-          <a:bodyPr wrap="none" lIns="91440" tIns="45720" rIns="91440" bIns="45720">
-            <a:spAutoFit/>
-          </a:bodyPr>
-          <a:lstStyle/>
-          <a:p>
-            <a:pPr algn="ctr"/>
-            <a:r>
-              <a:rPr lang="en-US" sz="2800" dirty="0">
-                <a:ln w="0"/>
-                <a:effectLst>
-                  <a:outerShdw blurRad="38100" dist="19050" dir="2700000" algn="tl" rotWithShape="0">
-                    <a:schemeClr val="dk1">
-                      <a:alpha val="40000"/>
-                    </a:schemeClr>
-                  </a:outerShdw>
-                </a:effectLst>
-                <a:latin typeface="Courier" pitchFamily="2" charset="0"/>
-              </a:rPr>
-              <a:t>2</a:t>
-            </a:r>
-          </a:p>
-        </p:txBody>
-      </p:sp>
-      <p:sp>
-        <p:nvSpPr>
-          <p:cNvPr id="43" name="Rectangle 42">
-            <a:extLst>
-              <a:ext uri="{FF2B5EF4-FFF2-40B4-BE49-F238E27FC236}">
-                <a16:creationId xmlns:a16="http://schemas.microsoft.com/office/drawing/2014/main" id="{8CE6E607-C5D9-523B-61A1-89E52860D971}"/>
-              </a:ext>
-            </a:extLst>
-          </p:cNvPr>
-          <p:cNvSpPr/>
-          <p:nvPr/>
-        </p:nvSpPr>
-        <p:spPr>
-          <a:xfrm>
-            <a:off x="6974780" y="3275679"/>
-            <a:ext cx="399468" cy="523220"/>
-          </a:xfrm>
-          <a:prstGeom prst="rect">
-            <a:avLst/>
-          </a:prstGeom>
-          <a:noFill/>
-        </p:spPr>
-        <p:txBody>
-          <a:bodyPr wrap="none" lIns="91440" tIns="45720" rIns="91440" bIns="45720">
-            <a:spAutoFit/>
-          </a:bodyPr>
-          <a:lstStyle/>
-          <a:p>
-            <a:pPr algn="ctr"/>
-            <a:r>
-              <a:rPr lang="en-US" sz="2800" dirty="0">
-                <a:ln w="0"/>
-                <a:effectLst>
-                  <a:outerShdw blurRad="38100" dist="19050" dir="2700000" algn="tl" rotWithShape="0">
-                    <a:schemeClr val="dk1">
-                      <a:alpha val="40000"/>
-                    </a:schemeClr>
-                  </a:outerShdw>
-                </a:effectLst>
-                <a:latin typeface="Courier" pitchFamily="2" charset="0"/>
-              </a:rPr>
-              <a:t>2</a:t>
-            </a:r>
-          </a:p>
-        </p:txBody>
-      </p:sp>
+        </p:nvCxnSpPr>
+        <p:spPr>
+          <a:xfrm>
+            <a:off x="4241984" y="1449199"/>
+            <a:ext cx="4308417" cy="2460192"/>
+          </a:xfrm>
+          <a:prstGeom prst="curvedConnector3">
+            <a:avLst>
+              <a:gd name="adj1" fmla="val 99214"/>
+            </a:avLst>
+          </a:prstGeom>
+          <a:ln w="76200">
+            <a:headEnd type="triangle"/>
+            <a:tailEnd type="triangle"/>
+          </a:ln>
+        </p:spPr>
+        <p:style>
+          <a:lnRef idx="1">
+            <a:schemeClr val="accent3"/>
+          </a:lnRef>
+          <a:fillRef idx="0">
+            <a:schemeClr val="accent3"/>
+          </a:fillRef>
+          <a:effectRef idx="0">
+            <a:schemeClr val="accent3"/>
+          </a:effectRef>
+          <a:fontRef idx="minor">
+            <a:schemeClr val="tx1"/>
+          </a:fontRef>
+        </p:style>
+      </p:cxnSp>
     </p:spTree>
     <p:extLst>
       <p:ext uri="{BB962C8B-B14F-4D97-AF65-F5344CB8AC3E}">
-        <p14:creationId xmlns:p14="http://schemas.microsoft.com/office/powerpoint/2010/main" val="1002560867"/>
+        <p14:creationId xmlns:p14="http://schemas.microsoft.com/office/powerpoint/2010/main" val="3353713501"/>
       </p:ext>
     </p:extLst>
   </p:cSld>
@@ -11002,7 +10869,7 @@
                 </a:solidFill>
                 <a:latin typeface="Courier" pitchFamily="2" charset="0"/>
               </a:rPr>
-              <a:t>	mutate(c1 = a0 + b1)</a:t>
+              <a:t>	mutate(c1 = a0 * 2)</a:t>
             </a:r>
           </a:p>
         </p:txBody>
@@ -11563,10 +11430,10 @@
       </p:sp>
       <p:sp>
         <p:nvSpPr>
-          <p:cNvPr id="28" name="Rectangle 27">
-            <a:extLst>
-              <a:ext uri="{FF2B5EF4-FFF2-40B4-BE49-F238E27FC236}">
-                <a16:creationId xmlns:a16="http://schemas.microsoft.com/office/drawing/2014/main" id="{0FC412DB-0A26-7FC5-0BD0-E87DFE3949B6}"/>
+          <p:cNvPr id="31" name="Rectangle 30">
+            <a:extLst>
+              <a:ext uri="{FF2B5EF4-FFF2-40B4-BE49-F238E27FC236}">
+                <a16:creationId xmlns:a16="http://schemas.microsoft.com/office/drawing/2014/main" id="{88E41FBE-32A7-4C60-F682-588F42F5F9CC}"/>
               </a:ext>
             </a:extLst>
           </p:cNvPr>
@@ -11575,7 +11442,7 @@
         </p:nvSpPr>
         <p:spPr>
           <a:xfrm>
-            <a:off x="5695941" y="2288399"/>
+            <a:off x="8498779" y="2295026"/>
             <a:ext cx="399468" cy="523220"/>
           </a:xfrm>
           <a:prstGeom prst="rect">
@@ -11602,17 +11469,17 @@
                 </a:effectLst>
                 <a:latin typeface="Courier" pitchFamily="2" charset="0"/>
               </a:rPr>
-              <a:t>3</a:t>
-            </a:r>
-          </a:p>
-        </p:txBody>
-      </p:sp>
-      <p:sp>
-        <p:nvSpPr>
-          <p:cNvPr id="29" name="Rectangle 28">
-            <a:extLst>
-              <a:ext uri="{FF2B5EF4-FFF2-40B4-BE49-F238E27FC236}">
-                <a16:creationId xmlns:a16="http://schemas.microsoft.com/office/drawing/2014/main" id="{36A99E0B-3FC3-3759-E337-CB2C79768DCE}"/>
+              <a:t>8</a:t>
+            </a:r>
+          </a:p>
+        </p:txBody>
+      </p:sp>
+      <p:sp>
+        <p:nvSpPr>
+          <p:cNvPr id="32" name="Rectangle 31">
+            <a:extLst>
+              <a:ext uri="{FF2B5EF4-FFF2-40B4-BE49-F238E27FC236}">
+                <a16:creationId xmlns:a16="http://schemas.microsoft.com/office/drawing/2014/main" id="{219CB645-E921-1BF7-AE27-2A84E64F86C5}"/>
               </a:ext>
             </a:extLst>
           </p:cNvPr>
@@ -11621,7 +11488,7 @@
         </p:nvSpPr>
         <p:spPr>
           <a:xfrm>
-            <a:off x="5702568" y="2772103"/>
+            <a:off x="8505406" y="2778730"/>
             <a:ext cx="399468" cy="523220"/>
           </a:xfrm>
           <a:prstGeom prst="rect">
@@ -11648,17 +11515,17 @@
                 </a:effectLst>
                 <a:latin typeface="Courier" pitchFamily="2" charset="0"/>
               </a:rPr>
-              <a:t>7</a:t>
-            </a:r>
-          </a:p>
-        </p:txBody>
-      </p:sp>
-      <p:sp>
-        <p:nvSpPr>
-          <p:cNvPr id="30" name="Rectangle 29">
-            <a:extLst>
-              <a:ext uri="{FF2B5EF4-FFF2-40B4-BE49-F238E27FC236}">
-                <a16:creationId xmlns:a16="http://schemas.microsoft.com/office/drawing/2014/main" id="{03766577-497A-0589-6F0D-B6E1AB4260C4}"/>
+              <a:t>4</a:t>
+            </a:r>
+          </a:p>
+        </p:txBody>
+      </p:sp>
+      <p:sp>
+        <p:nvSpPr>
+          <p:cNvPr id="40" name="Rectangle 39">
+            <a:extLst>
+              <a:ext uri="{FF2B5EF4-FFF2-40B4-BE49-F238E27FC236}">
+                <a16:creationId xmlns:a16="http://schemas.microsoft.com/office/drawing/2014/main" id="{171C4807-0A37-7078-24EA-C373D3BF4EE4}"/>
               </a:ext>
             </a:extLst>
           </p:cNvPr>
@@ -11667,7 +11534,7 @@
         </p:nvSpPr>
         <p:spPr>
           <a:xfrm>
-            <a:off x="5689316" y="3275680"/>
+            <a:off x="8492154" y="3282307"/>
             <a:ext cx="399468" cy="523220"/>
           </a:xfrm>
           <a:prstGeom prst="rect">
@@ -11694,17 +11561,17 @@
                 </a:effectLst>
                 <a:latin typeface="Courier" pitchFamily="2" charset="0"/>
               </a:rPr>
-              <a:t>1</a:t>
-            </a:r>
-          </a:p>
-        </p:txBody>
-      </p:sp>
-      <p:sp>
-        <p:nvSpPr>
-          <p:cNvPr id="31" name="Rectangle 30">
-            <a:extLst>
-              <a:ext uri="{FF2B5EF4-FFF2-40B4-BE49-F238E27FC236}">
-                <a16:creationId xmlns:a16="http://schemas.microsoft.com/office/drawing/2014/main" id="{88E41FBE-32A7-4C60-F682-588F42F5F9CC}"/>
+              <a:t>4</a:t>
+            </a:r>
+          </a:p>
+        </p:txBody>
+      </p:sp>
+      <p:sp>
+        <p:nvSpPr>
+          <p:cNvPr id="41" name="Rectangle 40">
+            <a:extLst>
+              <a:ext uri="{FF2B5EF4-FFF2-40B4-BE49-F238E27FC236}">
+                <a16:creationId xmlns:a16="http://schemas.microsoft.com/office/drawing/2014/main" id="{025C2D13-524F-1E10-B836-6CBEBEC1CB9C}"/>
               </a:ext>
             </a:extLst>
           </p:cNvPr>
@@ -11713,7 +11580,7 @@
         </p:nvSpPr>
         <p:spPr>
           <a:xfrm>
-            <a:off x="8498779" y="2295026"/>
+            <a:off x="6981405" y="2288398"/>
             <a:ext cx="399468" cy="523220"/>
           </a:xfrm>
           <a:prstGeom prst="rect">
@@ -11740,17 +11607,17 @@
                 </a:effectLst>
                 <a:latin typeface="Courier" pitchFamily="2" charset="0"/>
               </a:rPr>
-              <a:t>7</a:t>
-            </a:r>
-          </a:p>
-        </p:txBody>
-      </p:sp>
-      <p:sp>
-        <p:nvSpPr>
-          <p:cNvPr id="32" name="Rectangle 31">
-            <a:extLst>
-              <a:ext uri="{FF2B5EF4-FFF2-40B4-BE49-F238E27FC236}">
-                <a16:creationId xmlns:a16="http://schemas.microsoft.com/office/drawing/2014/main" id="{219CB645-E921-1BF7-AE27-2A84E64F86C5}"/>
+              <a:t>4</a:t>
+            </a:r>
+          </a:p>
+        </p:txBody>
+      </p:sp>
+      <p:sp>
+        <p:nvSpPr>
+          <p:cNvPr id="42" name="Rectangle 41">
+            <a:extLst>
+              <a:ext uri="{FF2B5EF4-FFF2-40B4-BE49-F238E27FC236}">
+                <a16:creationId xmlns:a16="http://schemas.microsoft.com/office/drawing/2014/main" id="{4C94FB20-8C52-D841-C7DA-D33739B94228}"/>
               </a:ext>
             </a:extLst>
           </p:cNvPr>
@@ -11759,7 +11626,7 @@
         </p:nvSpPr>
         <p:spPr>
           <a:xfrm>
-            <a:off x="8505406" y="2778730"/>
+            <a:off x="6988032" y="2772102"/>
             <a:ext cx="399468" cy="523220"/>
           </a:xfrm>
           <a:prstGeom prst="rect">
@@ -11786,17 +11653,17 @@
                 </a:effectLst>
                 <a:latin typeface="Courier" pitchFamily="2" charset="0"/>
               </a:rPr>
-              <a:t>9</a:t>
-            </a:r>
-          </a:p>
-        </p:txBody>
-      </p:sp>
-      <p:sp>
-        <p:nvSpPr>
-          <p:cNvPr id="40" name="Rectangle 39">
-            <a:extLst>
-              <a:ext uri="{FF2B5EF4-FFF2-40B4-BE49-F238E27FC236}">
-                <a16:creationId xmlns:a16="http://schemas.microsoft.com/office/drawing/2014/main" id="{171C4807-0A37-7078-24EA-C373D3BF4EE4}"/>
+              <a:t>2</a:t>
+            </a:r>
+          </a:p>
+        </p:txBody>
+      </p:sp>
+      <p:sp>
+        <p:nvSpPr>
+          <p:cNvPr id="43" name="Rectangle 42">
+            <a:extLst>
+              <a:ext uri="{FF2B5EF4-FFF2-40B4-BE49-F238E27FC236}">
+                <a16:creationId xmlns:a16="http://schemas.microsoft.com/office/drawing/2014/main" id="{8CE6E607-C5D9-523B-61A1-89E52860D971}"/>
               </a:ext>
             </a:extLst>
           </p:cNvPr>
@@ -11805,7 +11672,7 @@
         </p:nvSpPr>
         <p:spPr>
           <a:xfrm>
-            <a:off x="8492154" y="3282307"/>
+            <a:off x="6974780" y="3275679"/>
             <a:ext cx="399468" cy="523220"/>
           </a:xfrm>
           <a:prstGeom prst="rect">
@@ -11832,283 +11699,7 @@
                 </a:effectLst>
                 <a:latin typeface="Courier" pitchFamily="2" charset="0"/>
               </a:rPr>
-              <a:t>3</a:t>
-            </a:r>
-          </a:p>
-        </p:txBody>
-      </p:sp>
-      <p:sp>
-        <p:nvSpPr>
-          <p:cNvPr id="41" name="Rectangle 40">
-            <a:extLst>
-              <a:ext uri="{FF2B5EF4-FFF2-40B4-BE49-F238E27FC236}">
-                <a16:creationId xmlns:a16="http://schemas.microsoft.com/office/drawing/2014/main" id="{025C2D13-524F-1E10-B836-6CBEBEC1CB9C}"/>
-              </a:ext>
-            </a:extLst>
-          </p:cNvPr>
-          <p:cNvSpPr/>
-          <p:nvPr/>
-        </p:nvSpPr>
-        <p:spPr>
-          <a:xfrm>
-            <a:off x="6981405" y="2288398"/>
-            <a:ext cx="399468" cy="523220"/>
-          </a:xfrm>
-          <a:prstGeom prst="rect">
-            <a:avLst/>
-          </a:prstGeom>
-          <a:noFill/>
-        </p:spPr>
-        <p:txBody>
-          <a:bodyPr wrap="none" lIns="91440" tIns="45720" rIns="91440" bIns="45720">
-            <a:spAutoFit/>
-          </a:bodyPr>
-          <a:lstStyle/>
-          <a:p>
-            <a:pPr algn="ctr"/>
-            <a:r>
-              <a:rPr lang="en-US" sz="2800" dirty="0">
-                <a:ln w="0"/>
-                <a:effectLst>
-                  <a:outerShdw blurRad="38100" dist="19050" dir="2700000" algn="tl" rotWithShape="0">
-                    <a:schemeClr val="dk1">
-                      <a:alpha val="40000"/>
-                    </a:schemeClr>
-                  </a:outerShdw>
-                </a:effectLst>
-                <a:latin typeface="Courier" pitchFamily="2" charset="0"/>
-              </a:rPr>
-              <a:t>4</a:t>
-            </a:r>
-          </a:p>
-        </p:txBody>
-      </p:sp>
-      <p:sp>
-        <p:nvSpPr>
-          <p:cNvPr id="42" name="Rectangle 41">
-            <a:extLst>
-              <a:ext uri="{FF2B5EF4-FFF2-40B4-BE49-F238E27FC236}">
-                <a16:creationId xmlns:a16="http://schemas.microsoft.com/office/drawing/2014/main" id="{4C94FB20-8C52-D841-C7DA-D33739B94228}"/>
-              </a:ext>
-            </a:extLst>
-          </p:cNvPr>
-          <p:cNvSpPr/>
-          <p:nvPr/>
-        </p:nvSpPr>
-        <p:spPr>
-          <a:xfrm>
-            <a:off x="6988032" y="2772102"/>
-            <a:ext cx="399468" cy="523220"/>
-          </a:xfrm>
-          <a:prstGeom prst="rect">
-            <a:avLst/>
-          </a:prstGeom>
-          <a:noFill/>
-        </p:spPr>
-        <p:txBody>
-          <a:bodyPr wrap="none" lIns="91440" tIns="45720" rIns="91440" bIns="45720">
-            <a:spAutoFit/>
-          </a:bodyPr>
-          <a:lstStyle/>
-          <a:p>
-            <a:pPr algn="ctr"/>
-            <a:r>
-              <a:rPr lang="en-US" sz="2800" dirty="0">
-                <a:ln w="0"/>
-                <a:effectLst>
-                  <a:outerShdw blurRad="38100" dist="19050" dir="2700000" algn="tl" rotWithShape="0">
-                    <a:schemeClr val="dk1">
-                      <a:alpha val="40000"/>
-                    </a:schemeClr>
-                  </a:outerShdw>
-                </a:effectLst>
-                <a:latin typeface="Courier" pitchFamily="2" charset="0"/>
-              </a:rPr>
               <a:t>2</a:t>
-            </a:r>
-          </a:p>
-        </p:txBody>
-      </p:sp>
-      <p:sp>
-        <p:nvSpPr>
-          <p:cNvPr id="43" name="Rectangle 42">
-            <a:extLst>
-              <a:ext uri="{FF2B5EF4-FFF2-40B4-BE49-F238E27FC236}">
-                <a16:creationId xmlns:a16="http://schemas.microsoft.com/office/drawing/2014/main" id="{8CE6E607-C5D9-523B-61A1-89E52860D971}"/>
-              </a:ext>
-            </a:extLst>
-          </p:cNvPr>
-          <p:cNvSpPr/>
-          <p:nvPr/>
-        </p:nvSpPr>
-        <p:spPr>
-          <a:xfrm>
-            <a:off x="6974780" y="3275679"/>
-            <a:ext cx="399468" cy="523220"/>
-          </a:xfrm>
-          <a:prstGeom prst="rect">
-            <a:avLst/>
-          </a:prstGeom>
-          <a:noFill/>
-        </p:spPr>
-        <p:txBody>
-          <a:bodyPr wrap="none" lIns="91440" tIns="45720" rIns="91440" bIns="45720">
-            <a:spAutoFit/>
-          </a:bodyPr>
-          <a:lstStyle/>
-          <a:p>
-            <a:pPr algn="ctr"/>
-            <a:r>
-              <a:rPr lang="en-US" sz="2800" dirty="0">
-                <a:ln w="0"/>
-                <a:effectLst>
-                  <a:outerShdw blurRad="38100" dist="19050" dir="2700000" algn="tl" rotWithShape="0">
-                    <a:schemeClr val="dk1">
-                      <a:alpha val="40000"/>
-                    </a:schemeClr>
-                  </a:outerShdw>
-                </a:effectLst>
-                <a:latin typeface="Courier" pitchFamily="2" charset="0"/>
-              </a:rPr>
-              <a:t>2</a:t>
-            </a:r>
-          </a:p>
-        </p:txBody>
-      </p:sp>
-      <p:sp>
-        <p:nvSpPr>
-          <p:cNvPr id="44" name="Rectangle 43">
-            <a:extLst>
-              <a:ext uri="{FF2B5EF4-FFF2-40B4-BE49-F238E27FC236}">
-                <a16:creationId xmlns:a16="http://schemas.microsoft.com/office/drawing/2014/main" id="{9145F2B1-A28D-1E35-1326-8BA8BBBB4676}"/>
-              </a:ext>
-            </a:extLst>
-          </p:cNvPr>
-          <p:cNvSpPr/>
-          <p:nvPr/>
-        </p:nvSpPr>
-        <p:spPr>
-          <a:xfrm>
-            <a:off x="7981943" y="2281773"/>
-            <a:ext cx="399468" cy="523220"/>
-          </a:xfrm>
-          <a:prstGeom prst="rect">
-            <a:avLst/>
-          </a:prstGeom>
-          <a:noFill/>
-        </p:spPr>
-        <p:txBody>
-          <a:bodyPr wrap="none" lIns="91440" tIns="45720" rIns="91440" bIns="45720">
-            <a:spAutoFit/>
-          </a:bodyPr>
-          <a:lstStyle/>
-          <a:p>
-            <a:pPr algn="ctr"/>
-            <a:r>
-              <a:rPr lang="en-US" sz="2800" dirty="0">
-                <a:ln w="0"/>
-                <a:effectLst>
-                  <a:outerShdw blurRad="38100" dist="19050" dir="2700000" algn="tl" rotWithShape="0">
-                    <a:schemeClr val="dk1">
-                      <a:alpha val="40000"/>
-                    </a:schemeClr>
-                  </a:outerShdw>
-                </a:effectLst>
-                <a:latin typeface="Courier" pitchFamily="2" charset="0"/>
-              </a:rPr>
-              <a:t>3</a:t>
-            </a:r>
-          </a:p>
-        </p:txBody>
-      </p:sp>
-      <p:sp>
-        <p:nvSpPr>
-          <p:cNvPr id="45" name="Rectangle 44">
-            <a:extLst>
-              <a:ext uri="{FF2B5EF4-FFF2-40B4-BE49-F238E27FC236}">
-                <a16:creationId xmlns:a16="http://schemas.microsoft.com/office/drawing/2014/main" id="{A67ECA27-4DF1-7D03-D058-1F0F78E61113}"/>
-              </a:ext>
-            </a:extLst>
-          </p:cNvPr>
-          <p:cNvSpPr/>
-          <p:nvPr/>
-        </p:nvSpPr>
-        <p:spPr>
-          <a:xfrm>
-            <a:off x="7988570" y="2765477"/>
-            <a:ext cx="399468" cy="523220"/>
-          </a:xfrm>
-          <a:prstGeom prst="rect">
-            <a:avLst/>
-          </a:prstGeom>
-          <a:noFill/>
-        </p:spPr>
-        <p:txBody>
-          <a:bodyPr wrap="none" lIns="91440" tIns="45720" rIns="91440" bIns="45720">
-            <a:spAutoFit/>
-          </a:bodyPr>
-          <a:lstStyle/>
-          <a:p>
-            <a:pPr algn="ctr"/>
-            <a:r>
-              <a:rPr lang="en-US" sz="2800" dirty="0">
-                <a:ln w="0"/>
-                <a:effectLst>
-                  <a:outerShdw blurRad="38100" dist="19050" dir="2700000" algn="tl" rotWithShape="0">
-                    <a:schemeClr val="dk1">
-                      <a:alpha val="40000"/>
-                    </a:schemeClr>
-                  </a:outerShdw>
-                </a:effectLst>
-                <a:latin typeface="Courier" pitchFamily="2" charset="0"/>
-              </a:rPr>
-              <a:t>7</a:t>
-            </a:r>
-          </a:p>
-        </p:txBody>
-      </p:sp>
-      <p:sp>
-        <p:nvSpPr>
-          <p:cNvPr id="46" name="Rectangle 45">
-            <a:extLst>
-              <a:ext uri="{FF2B5EF4-FFF2-40B4-BE49-F238E27FC236}">
-                <a16:creationId xmlns:a16="http://schemas.microsoft.com/office/drawing/2014/main" id="{BCB6AA76-0260-F596-B632-C4ADA7E721FD}"/>
-              </a:ext>
-            </a:extLst>
-          </p:cNvPr>
-          <p:cNvSpPr/>
-          <p:nvPr/>
-        </p:nvSpPr>
-        <p:spPr>
-          <a:xfrm>
-            <a:off x="7975318" y="3269054"/>
-            <a:ext cx="399468" cy="523220"/>
-          </a:xfrm>
-          <a:prstGeom prst="rect">
-            <a:avLst/>
-          </a:prstGeom>
-          <a:noFill/>
-        </p:spPr>
-        <p:txBody>
-          <a:bodyPr wrap="none" lIns="91440" tIns="45720" rIns="91440" bIns="45720">
-            <a:spAutoFit/>
-          </a:bodyPr>
-          <a:lstStyle/>
-          <a:p>
-            <a:pPr algn="ctr"/>
-            <a:r>
-              <a:rPr lang="en-US" sz="2800" dirty="0">
-                <a:ln w="0"/>
-                <a:effectLst>
-                  <a:outerShdw blurRad="38100" dist="19050" dir="2700000" algn="tl" rotWithShape="0">
-                    <a:schemeClr val="dk1">
-                      <a:alpha val="40000"/>
-                    </a:schemeClr>
-                  </a:outerShdw>
-                </a:effectLst>
-                <a:latin typeface="Courier" pitchFamily="2" charset="0"/>
-              </a:rPr>
-              <a:t>1</a:t>
             </a:r>
           </a:p>
         </p:txBody>
@@ -12116,7 +11707,7 @@
     </p:spTree>
     <p:extLst>
       <p:ext uri="{BB962C8B-B14F-4D97-AF65-F5344CB8AC3E}">
-        <p14:creationId xmlns:p14="http://schemas.microsoft.com/office/powerpoint/2010/main" val="2092641110"/>
+        <p14:creationId xmlns:p14="http://schemas.microsoft.com/office/powerpoint/2010/main" val="1002560867"/>
       </p:ext>
     </p:extLst>
   </p:cSld>
@@ -12145,10 +11736,10 @@
       </p:grpSpPr>
       <p:pic>
         <p:nvPicPr>
-          <p:cNvPr id="5" name="Picture 4" descr="Shape&#10;&#10;Description automatically generated">
-            <a:extLst>
-              <a:ext uri="{FF2B5EF4-FFF2-40B4-BE49-F238E27FC236}">
-                <a16:creationId xmlns:a16="http://schemas.microsoft.com/office/drawing/2014/main" id="{534CEF08-45CD-0CEA-1D5C-9FB81FCBB888}"/>
+          <p:cNvPr id="9" name="Picture 8" descr="A picture containing shape&#10;&#10;Description automatically generated">
+            <a:extLst>
+              <a:ext uri="{FF2B5EF4-FFF2-40B4-BE49-F238E27FC236}">
+                <a16:creationId xmlns:a16="http://schemas.microsoft.com/office/drawing/2014/main" id="{00CB9AA9-19DB-E8DB-5900-4FEAB9AC449E}"/>
               </a:ext>
             </a:extLst>
           </p:cNvPr>
@@ -12165,14 +11756,51 @@
         </p:blipFill>
         <p:spPr>
           <a:xfrm>
-            <a:off x="4243736" y="1473202"/>
-            <a:ext cx="4429818" cy="3200400"/>
+            <a:off x="4180249" y="1399159"/>
+            <a:ext cx="5215542" cy="2829346"/>
           </a:xfrm>
           <a:prstGeom prst="rect">
             <a:avLst/>
           </a:prstGeom>
         </p:spPr>
       </p:pic>
+      <p:sp>
+        <p:nvSpPr>
+          <p:cNvPr id="2" name="Title 1">
+            <a:extLst>
+              <a:ext uri="{FF2B5EF4-FFF2-40B4-BE49-F238E27FC236}">
+                <a16:creationId xmlns:a16="http://schemas.microsoft.com/office/drawing/2014/main" id="{A37F20A1-B9B8-F8C1-AC48-36671967C2B5}"/>
+              </a:ext>
+            </a:extLst>
+          </p:cNvPr>
+          <p:cNvSpPr>
+            <a:spLocks noGrp="1"/>
+          </p:cNvSpPr>
+          <p:nvPr>
+            <p:ph type="title"/>
+          </p:nvPr>
+        </p:nvSpPr>
+        <p:spPr/>
+        <p:txBody>
+          <a:bodyPr/>
+          <a:lstStyle/>
+          <a:p>
+            <a:r>
+              <a:rPr lang="en-US" dirty="0"/>
+              <a:t>The 5 Verbs: </a:t>
+            </a:r>
+            <a:r>
+              <a:rPr lang="en-US" dirty="0" err="1">
+                <a:latin typeface="Courier" pitchFamily="2" charset="0"/>
+              </a:rPr>
+              <a:t>dplyr</a:t>
+            </a:r>
+            <a:endParaRPr lang="en-US" dirty="0">
+              <a:latin typeface="Courier" pitchFamily="2" charset="0"/>
+            </a:endParaRPr>
+          </a:p>
+        </p:txBody>
+      </p:sp>
       <p:sp>
         <p:nvSpPr>
           <p:cNvPr id="3" name="Content Placeholder 2">
@@ -12208,11 +11836,11 @@
               <a:rPr lang="en-US" sz="2800" b="1" dirty="0">
                 <a:latin typeface="Courier" pitchFamily="2" charset="0"/>
               </a:rPr>
-              <a:t>arrange() </a:t>
+              <a:t>mutate() </a:t>
             </a:r>
             <a:r>
               <a:rPr lang="en-US" sz="2800" dirty="0"/>
-              <a:t>the rows in a specific order</a:t>
+              <a:t>the data i.e. add or modify a column</a:t>
             </a:r>
           </a:p>
           <a:p>
@@ -12245,51 +11873,10 @@
           </a:p>
           <a:p>
             <a:pPr lvl="1"/>
-            <a:endParaRPr lang="en-US" sz="2600" dirty="0"/>
-          </a:p>
-          <a:p>
-            <a:pPr lvl="1"/>
             <a:r>
               <a:rPr lang="en-US" sz="2600" dirty="0"/>
-              <a:t>Order rows by value of a column(s) from low to high. Ex. </a:t>
-            </a:r>
-          </a:p>
-        </p:txBody>
-      </p:sp>
-      <p:sp>
-        <p:nvSpPr>
-          <p:cNvPr id="2" name="Title 1">
-            <a:extLst>
-              <a:ext uri="{FF2B5EF4-FFF2-40B4-BE49-F238E27FC236}">
-                <a16:creationId xmlns:a16="http://schemas.microsoft.com/office/drawing/2014/main" id="{A37F20A1-B9B8-F8C1-AC48-36671967C2B5}"/>
-              </a:ext>
-            </a:extLst>
-          </p:cNvPr>
-          <p:cNvSpPr>
-            <a:spLocks noGrp="1"/>
-          </p:cNvSpPr>
-          <p:nvPr>
-            <p:ph type="title"/>
-          </p:nvPr>
-        </p:nvSpPr>
-        <p:spPr/>
-        <p:txBody>
-          <a:bodyPr/>
-          <a:lstStyle/>
-          <a:p>
-            <a:r>
-              <a:rPr lang="en-US" dirty="0"/>
-              <a:t>The 5 Verbs: </a:t>
-            </a:r>
-            <a:r>
-              <a:rPr lang="en-US" dirty="0" err="1">
-                <a:latin typeface="Courier" pitchFamily="2" charset="0"/>
-              </a:rPr>
-              <a:t>dplyr</a:t>
-            </a:r>
-            <a:endParaRPr lang="en-US" dirty="0">
-              <a:latin typeface="Courier" pitchFamily="2" charset="0"/>
-            </a:endParaRPr>
+              <a:t>Add a column to the dataset as a product of existing column(s). Ex. </a:t>
+            </a:r>
           </a:p>
         </p:txBody>
       </p:sp>
@@ -12307,7 +11894,7 @@
         </p:nvSpPr>
         <p:spPr>
           <a:xfrm>
-            <a:off x="4662272" y="5099712"/>
+            <a:off x="4635768" y="4770094"/>
             <a:ext cx="4863915" cy="1128518"/>
           </a:xfrm>
           <a:prstGeom prst="rect">
@@ -12360,7 +11947,7 @@
                 </a:solidFill>
                 <a:latin typeface="Courier" pitchFamily="2" charset="0"/>
               </a:rPr>
-              <a:t>	arrange(a0)</a:t>
+              <a:t>	mutate(c1 = a0 + b1)</a:t>
             </a:r>
           </a:p>
         </p:txBody>
@@ -12487,7 +12074,7 @@
         </p:nvSpPr>
         <p:spPr>
           <a:xfrm>
-            <a:off x="5564190" y="1734882"/>
+            <a:off x="5577442" y="1734882"/>
             <a:ext cx="614271" cy="523220"/>
           </a:xfrm>
           <a:prstGeom prst="rect">
@@ -12560,7 +12147,7 @@
         </p:nvSpPr>
         <p:spPr>
           <a:xfrm>
-            <a:off x="4679669" y="2178150"/>
+            <a:off x="4642393" y="2295024"/>
             <a:ext cx="399468" cy="523220"/>
           </a:xfrm>
           <a:prstGeom prst="rect">
@@ -12587,7 +12174,7 @@
                 </a:effectLst>
                 <a:latin typeface="Courier" pitchFamily="2" charset="0"/>
               </a:rPr>
-              <a:t>2</a:t>
+              <a:t>4</a:t>
             </a:r>
           </a:p>
         </p:txBody>
@@ -12606,7 +12193,7 @@
         </p:nvSpPr>
         <p:spPr>
           <a:xfrm>
-            <a:off x="4675524" y="2699216"/>
+            <a:off x="4649020" y="2778728"/>
             <a:ext cx="399468" cy="523220"/>
           </a:xfrm>
           <a:prstGeom prst="rect">
@@ -12633,7 +12220,7 @@
                 </a:effectLst>
                 <a:latin typeface="Courier" pitchFamily="2" charset="0"/>
               </a:rPr>
-              <a:t>5</a:t>
+              <a:t>2</a:t>
             </a:r>
           </a:p>
         </p:txBody>
@@ -12652,7 +12239,7 @@
         </p:nvSpPr>
         <p:spPr>
           <a:xfrm>
-            <a:off x="4662272" y="3163037"/>
+            <a:off x="4635768" y="3282305"/>
             <a:ext cx="399468" cy="523220"/>
           </a:xfrm>
           <a:prstGeom prst="rect">
@@ -12679,7 +12266,7 @@
                 </a:effectLst>
                 <a:latin typeface="Courier" pitchFamily="2" charset="0"/>
               </a:rPr>
-              <a:t>0</a:t>
+              <a:t>2</a:t>
             </a:r>
           </a:p>
         </p:txBody>
@@ -12752,7 +12339,7 @@
         </p:nvSpPr>
         <p:spPr>
           <a:xfrm>
-            <a:off x="7331202" y="1764942"/>
+            <a:off x="7370958" y="1764942"/>
             <a:ext cx="614271" cy="523220"/>
           </a:xfrm>
           <a:prstGeom prst="rect">
@@ -12806,7 +12393,7 @@
         </p:nvSpPr>
         <p:spPr>
           <a:xfrm>
-            <a:off x="7797186" y="1768014"/>
+            <a:off x="7889950" y="1768014"/>
             <a:ext cx="614271" cy="523220"/>
           </a:xfrm>
           <a:prstGeom prst="rect">
@@ -12867,10 +12454,10 @@
       </p:sp>
       <p:sp>
         <p:nvSpPr>
-          <p:cNvPr id="41" name="Rectangle 40">
-            <a:extLst>
-              <a:ext uri="{FF2B5EF4-FFF2-40B4-BE49-F238E27FC236}">
-                <a16:creationId xmlns:a16="http://schemas.microsoft.com/office/drawing/2014/main" id="{025C2D13-524F-1E10-B836-6CBEBEC1CB9C}"/>
+          <p:cNvPr id="36" name="Rectangle 35">
+            <a:extLst>
+              <a:ext uri="{FF2B5EF4-FFF2-40B4-BE49-F238E27FC236}">
+                <a16:creationId xmlns:a16="http://schemas.microsoft.com/office/drawing/2014/main" id="{1B413CFA-396F-AF45-D26E-ECDD339F9DBA}"/>
               </a:ext>
             </a:extLst>
           </p:cNvPr>
@@ -12879,7 +12466,61 @@
         </p:nvSpPr>
         <p:spPr>
           <a:xfrm>
-            <a:off x="6954901" y="2261894"/>
+            <a:off x="8408835" y="1766862"/>
+            <a:ext cx="614271" cy="523220"/>
+          </a:xfrm>
+          <a:prstGeom prst="rect">
+            <a:avLst/>
+          </a:prstGeom>
+          <a:noFill/>
+        </p:spPr>
+        <p:txBody>
+          <a:bodyPr wrap="none" lIns="91440" tIns="45720" rIns="91440" bIns="45720">
+            <a:spAutoFit/>
+          </a:bodyPr>
+          <a:lstStyle/>
+          <a:p>
+            <a:pPr algn="ctr"/>
+            <a:r>
+              <a:rPr lang="en-US" sz="2800" b="1" cap="none" spc="0" dirty="0">
+                <a:ln w="10160">
+                  <a:solidFill>
+                    <a:schemeClr val="accent5"/>
+                  </a:solidFill>
+                  <a:prstDash val="solid"/>
+                </a:ln>
+                <a:solidFill>
+                  <a:srgbClr val="FFFFFF"/>
+                </a:solidFill>
+                <a:effectLst>
+                  <a:outerShdw blurRad="38100" dist="22860" dir="5400000" algn="tl" rotWithShape="0">
+                    <a:srgbClr val="000000">
+                      <a:alpha val="30000"/>
+                    </a:srgbClr>
+                  </a:outerShdw>
+                </a:effectLst>
+                <a:latin typeface="Courier" pitchFamily="2" charset="0"/>
+              </a:rPr>
+              <a:t>c1</a:t>
+            </a:r>
+          </a:p>
+        </p:txBody>
+      </p:sp>
+      <p:sp>
+        <p:nvSpPr>
+          <p:cNvPr id="28" name="Rectangle 27">
+            <a:extLst>
+              <a:ext uri="{FF2B5EF4-FFF2-40B4-BE49-F238E27FC236}">
+                <a16:creationId xmlns:a16="http://schemas.microsoft.com/office/drawing/2014/main" id="{0FC412DB-0A26-7FC5-0BD0-E87DFE3949B6}"/>
+              </a:ext>
+            </a:extLst>
+          </p:cNvPr>
+          <p:cNvSpPr/>
+          <p:nvPr/>
+        </p:nvSpPr>
+        <p:spPr>
+          <a:xfrm>
+            <a:off x="5695941" y="2288399"/>
             <a:ext cx="399468" cy="523220"/>
           </a:xfrm>
           <a:prstGeom prst="rect">
@@ -12906,17 +12547,17 @@
                 </a:effectLst>
                 <a:latin typeface="Courier" pitchFamily="2" charset="0"/>
               </a:rPr>
-              <a:t>0</a:t>
-            </a:r>
-          </a:p>
-        </p:txBody>
-      </p:sp>
-      <p:sp>
-        <p:nvSpPr>
-          <p:cNvPr id="42" name="Rectangle 41">
-            <a:extLst>
-              <a:ext uri="{FF2B5EF4-FFF2-40B4-BE49-F238E27FC236}">
-                <a16:creationId xmlns:a16="http://schemas.microsoft.com/office/drawing/2014/main" id="{4C94FB20-8C52-D841-C7DA-D33739B94228}"/>
+              <a:t>3</a:t>
+            </a:r>
+          </a:p>
+        </p:txBody>
+      </p:sp>
+      <p:sp>
+        <p:nvSpPr>
+          <p:cNvPr id="29" name="Rectangle 28">
+            <a:extLst>
+              <a:ext uri="{FF2B5EF4-FFF2-40B4-BE49-F238E27FC236}">
+                <a16:creationId xmlns:a16="http://schemas.microsoft.com/office/drawing/2014/main" id="{36A99E0B-3FC3-3759-E337-CB2C79768DCE}"/>
               </a:ext>
             </a:extLst>
           </p:cNvPr>
@@ -12925,7 +12566,7 @@
         </p:nvSpPr>
         <p:spPr>
           <a:xfrm>
-            <a:off x="6974780" y="2732346"/>
+            <a:off x="5702568" y="2772103"/>
             <a:ext cx="399468" cy="523220"/>
           </a:xfrm>
           <a:prstGeom prst="rect">
@@ -12952,17 +12593,17 @@
                 </a:effectLst>
                 <a:latin typeface="Courier" pitchFamily="2" charset="0"/>
               </a:rPr>
-              <a:t>2</a:t>
-            </a:r>
-          </a:p>
-        </p:txBody>
-      </p:sp>
-      <p:sp>
-        <p:nvSpPr>
-          <p:cNvPr id="43" name="Rectangle 42">
-            <a:extLst>
-              <a:ext uri="{FF2B5EF4-FFF2-40B4-BE49-F238E27FC236}">
-                <a16:creationId xmlns:a16="http://schemas.microsoft.com/office/drawing/2014/main" id="{8CE6E607-C5D9-523B-61A1-89E52860D971}"/>
+              <a:t>7</a:t>
+            </a:r>
+          </a:p>
+        </p:txBody>
+      </p:sp>
+      <p:sp>
+        <p:nvSpPr>
+          <p:cNvPr id="30" name="Rectangle 29">
+            <a:extLst>
+              <a:ext uri="{FF2B5EF4-FFF2-40B4-BE49-F238E27FC236}">
+                <a16:creationId xmlns:a16="http://schemas.microsoft.com/office/drawing/2014/main" id="{03766577-497A-0589-6F0D-B6E1AB4260C4}"/>
               </a:ext>
             </a:extLst>
           </p:cNvPr>
@@ -12971,7 +12612,7 @@
         </p:nvSpPr>
         <p:spPr>
           <a:xfrm>
-            <a:off x="6974780" y="3222671"/>
+            <a:off x="5689316" y="3275680"/>
             <a:ext cx="399468" cy="523220"/>
           </a:xfrm>
           <a:prstGeom prst="rect">
@@ -12998,17 +12639,17 @@
                 </a:effectLst>
                 <a:latin typeface="Courier" pitchFamily="2" charset="0"/>
               </a:rPr>
-              <a:t>3</a:t>
-            </a:r>
-          </a:p>
-        </p:txBody>
-      </p:sp>
-      <p:sp>
-        <p:nvSpPr>
-          <p:cNvPr id="37" name="Rectangle 36">
-            <a:extLst>
-              <a:ext uri="{FF2B5EF4-FFF2-40B4-BE49-F238E27FC236}">
-                <a16:creationId xmlns:a16="http://schemas.microsoft.com/office/drawing/2014/main" id="{6CBB9B0B-DDAC-6BB2-057E-DD712E521803}"/>
+              <a:t>1</a:t>
+            </a:r>
+          </a:p>
+        </p:txBody>
+      </p:sp>
+      <p:sp>
+        <p:nvSpPr>
+          <p:cNvPr id="31" name="Rectangle 30">
+            <a:extLst>
+              <a:ext uri="{FF2B5EF4-FFF2-40B4-BE49-F238E27FC236}">
+                <a16:creationId xmlns:a16="http://schemas.microsoft.com/office/drawing/2014/main" id="{88E41FBE-32A7-4C60-F682-588F42F5F9CC}"/>
               </a:ext>
             </a:extLst>
           </p:cNvPr>
@@ -13017,7 +12658,7 @@
         </p:nvSpPr>
         <p:spPr>
           <a:xfrm>
-            <a:off x="4682152" y="3620235"/>
+            <a:off x="8498779" y="2295026"/>
             <a:ext cx="399468" cy="523220"/>
           </a:xfrm>
           <a:prstGeom prst="rect">
@@ -13044,17 +12685,17 @@
                 </a:effectLst>
                 <a:latin typeface="Courier" pitchFamily="2" charset="0"/>
               </a:rPr>
-              <a:t>3</a:t>
-            </a:r>
-          </a:p>
-        </p:txBody>
-      </p:sp>
-      <p:sp>
-        <p:nvSpPr>
-          <p:cNvPr id="38" name="Rectangle 37">
-            <a:extLst>
-              <a:ext uri="{FF2B5EF4-FFF2-40B4-BE49-F238E27FC236}">
-                <a16:creationId xmlns:a16="http://schemas.microsoft.com/office/drawing/2014/main" id="{372801C9-5B70-8B9B-E011-03B660928AFE}"/>
+              <a:t>7</a:t>
+            </a:r>
+          </a:p>
+        </p:txBody>
+      </p:sp>
+      <p:sp>
+        <p:nvSpPr>
+          <p:cNvPr id="32" name="Rectangle 31">
+            <a:extLst>
+              <a:ext uri="{FF2B5EF4-FFF2-40B4-BE49-F238E27FC236}">
+                <a16:creationId xmlns:a16="http://schemas.microsoft.com/office/drawing/2014/main" id="{219CB645-E921-1BF7-AE27-2A84E64F86C5}"/>
               </a:ext>
             </a:extLst>
           </p:cNvPr>
@@ -13063,7 +12704,7 @@
         </p:nvSpPr>
         <p:spPr>
           <a:xfrm>
-            <a:off x="6968152" y="3675285"/>
+            <a:off x="8505406" y="2778730"/>
             <a:ext cx="399468" cy="523220"/>
           </a:xfrm>
           <a:prstGeom prst="rect">
@@ -13090,7 +12731,329 @@
                 </a:effectLst>
                 <a:latin typeface="Courier" pitchFamily="2" charset="0"/>
               </a:rPr>
-              <a:t>5</a:t>
+              <a:t>9</a:t>
+            </a:r>
+          </a:p>
+        </p:txBody>
+      </p:sp>
+      <p:sp>
+        <p:nvSpPr>
+          <p:cNvPr id="40" name="Rectangle 39">
+            <a:extLst>
+              <a:ext uri="{FF2B5EF4-FFF2-40B4-BE49-F238E27FC236}">
+                <a16:creationId xmlns:a16="http://schemas.microsoft.com/office/drawing/2014/main" id="{171C4807-0A37-7078-24EA-C373D3BF4EE4}"/>
+              </a:ext>
+            </a:extLst>
+          </p:cNvPr>
+          <p:cNvSpPr/>
+          <p:nvPr/>
+        </p:nvSpPr>
+        <p:spPr>
+          <a:xfrm>
+            <a:off x="8492154" y="3282307"/>
+            <a:ext cx="399468" cy="523220"/>
+          </a:xfrm>
+          <a:prstGeom prst="rect">
+            <a:avLst/>
+          </a:prstGeom>
+          <a:noFill/>
+        </p:spPr>
+        <p:txBody>
+          <a:bodyPr wrap="none" lIns="91440" tIns="45720" rIns="91440" bIns="45720">
+            <a:spAutoFit/>
+          </a:bodyPr>
+          <a:lstStyle/>
+          <a:p>
+            <a:pPr algn="ctr"/>
+            <a:r>
+              <a:rPr lang="en-US" sz="2800" dirty="0">
+                <a:ln w="0"/>
+                <a:effectLst>
+                  <a:outerShdw blurRad="38100" dist="19050" dir="2700000" algn="tl" rotWithShape="0">
+                    <a:schemeClr val="dk1">
+                      <a:alpha val="40000"/>
+                    </a:schemeClr>
+                  </a:outerShdw>
+                </a:effectLst>
+                <a:latin typeface="Courier" pitchFamily="2" charset="0"/>
+              </a:rPr>
+              <a:t>3</a:t>
+            </a:r>
+          </a:p>
+        </p:txBody>
+      </p:sp>
+      <p:sp>
+        <p:nvSpPr>
+          <p:cNvPr id="41" name="Rectangle 40">
+            <a:extLst>
+              <a:ext uri="{FF2B5EF4-FFF2-40B4-BE49-F238E27FC236}">
+                <a16:creationId xmlns:a16="http://schemas.microsoft.com/office/drawing/2014/main" id="{025C2D13-524F-1E10-B836-6CBEBEC1CB9C}"/>
+              </a:ext>
+            </a:extLst>
+          </p:cNvPr>
+          <p:cNvSpPr/>
+          <p:nvPr/>
+        </p:nvSpPr>
+        <p:spPr>
+          <a:xfrm>
+            <a:off x="6981405" y="2288398"/>
+            <a:ext cx="399468" cy="523220"/>
+          </a:xfrm>
+          <a:prstGeom prst="rect">
+            <a:avLst/>
+          </a:prstGeom>
+          <a:noFill/>
+        </p:spPr>
+        <p:txBody>
+          <a:bodyPr wrap="none" lIns="91440" tIns="45720" rIns="91440" bIns="45720">
+            <a:spAutoFit/>
+          </a:bodyPr>
+          <a:lstStyle/>
+          <a:p>
+            <a:pPr algn="ctr"/>
+            <a:r>
+              <a:rPr lang="en-US" sz="2800" dirty="0">
+                <a:ln w="0"/>
+                <a:effectLst>
+                  <a:outerShdw blurRad="38100" dist="19050" dir="2700000" algn="tl" rotWithShape="0">
+                    <a:schemeClr val="dk1">
+                      <a:alpha val="40000"/>
+                    </a:schemeClr>
+                  </a:outerShdw>
+                </a:effectLst>
+                <a:latin typeface="Courier" pitchFamily="2" charset="0"/>
+              </a:rPr>
+              <a:t>4</a:t>
+            </a:r>
+          </a:p>
+        </p:txBody>
+      </p:sp>
+      <p:sp>
+        <p:nvSpPr>
+          <p:cNvPr id="42" name="Rectangle 41">
+            <a:extLst>
+              <a:ext uri="{FF2B5EF4-FFF2-40B4-BE49-F238E27FC236}">
+                <a16:creationId xmlns:a16="http://schemas.microsoft.com/office/drawing/2014/main" id="{4C94FB20-8C52-D841-C7DA-D33739B94228}"/>
+              </a:ext>
+            </a:extLst>
+          </p:cNvPr>
+          <p:cNvSpPr/>
+          <p:nvPr/>
+        </p:nvSpPr>
+        <p:spPr>
+          <a:xfrm>
+            <a:off x="6988032" y="2772102"/>
+            <a:ext cx="399468" cy="523220"/>
+          </a:xfrm>
+          <a:prstGeom prst="rect">
+            <a:avLst/>
+          </a:prstGeom>
+          <a:noFill/>
+        </p:spPr>
+        <p:txBody>
+          <a:bodyPr wrap="none" lIns="91440" tIns="45720" rIns="91440" bIns="45720">
+            <a:spAutoFit/>
+          </a:bodyPr>
+          <a:lstStyle/>
+          <a:p>
+            <a:pPr algn="ctr"/>
+            <a:r>
+              <a:rPr lang="en-US" sz="2800" dirty="0">
+                <a:ln w="0"/>
+                <a:effectLst>
+                  <a:outerShdw blurRad="38100" dist="19050" dir="2700000" algn="tl" rotWithShape="0">
+                    <a:schemeClr val="dk1">
+                      <a:alpha val="40000"/>
+                    </a:schemeClr>
+                  </a:outerShdw>
+                </a:effectLst>
+                <a:latin typeface="Courier" pitchFamily="2" charset="0"/>
+              </a:rPr>
+              <a:t>2</a:t>
+            </a:r>
+          </a:p>
+        </p:txBody>
+      </p:sp>
+      <p:sp>
+        <p:nvSpPr>
+          <p:cNvPr id="43" name="Rectangle 42">
+            <a:extLst>
+              <a:ext uri="{FF2B5EF4-FFF2-40B4-BE49-F238E27FC236}">
+                <a16:creationId xmlns:a16="http://schemas.microsoft.com/office/drawing/2014/main" id="{8CE6E607-C5D9-523B-61A1-89E52860D971}"/>
+              </a:ext>
+            </a:extLst>
+          </p:cNvPr>
+          <p:cNvSpPr/>
+          <p:nvPr/>
+        </p:nvSpPr>
+        <p:spPr>
+          <a:xfrm>
+            <a:off x="6974780" y="3275679"/>
+            <a:ext cx="399468" cy="523220"/>
+          </a:xfrm>
+          <a:prstGeom prst="rect">
+            <a:avLst/>
+          </a:prstGeom>
+          <a:noFill/>
+        </p:spPr>
+        <p:txBody>
+          <a:bodyPr wrap="none" lIns="91440" tIns="45720" rIns="91440" bIns="45720">
+            <a:spAutoFit/>
+          </a:bodyPr>
+          <a:lstStyle/>
+          <a:p>
+            <a:pPr algn="ctr"/>
+            <a:r>
+              <a:rPr lang="en-US" sz="2800" dirty="0">
+                <a:ln w="0"/>
+                <a:effectLst>
+                  <a:outerShdw blurRad="38100" dist="19050" dir="2700000" algn="tl" rotWithShape="0">
+                    <a:schemeClr val="dk1">
+                      <a:alpha val="40000"/>
+                    </a:schemeClr>
+                  </a:outerShdw>
+                </a:effectLst>
+                <a:latin typeface="Courier" pitchFamily="2" charset="0"/>
+              </a:rPr>
+              <a:t>2</a:t>
+            </a:r>
+          </a:p>
+        </p:txBody>
+      </p:sp>
+      <p:sp>
+        <p:nvSpPr>
+          <p:cNvPr id="44" name="Rectangle 43">
+            <a:extLst>
+              <a:ext uri="{FF2B5EF4-FFF2-40B4-BE49-F238E27FC236}">
+                <a16:creationId xmlns:a16="http://schemas.microsoft.com/office/drawing/2014/main" id="{9145F2B1-A28D-1E35-1326-8BA8BBBB4676}"/>
+              </a:ext>
+            </a:extLst>
+          </p:cNvPr>
+          <p:cNvSpPr/>
+          <p:nvPr/>
+        </p:nvSpPr>
+        <p:spPr>
+          <a:xfrm>
+            <a:off x="7981943" y="2281773"/>
+            <a:ext cx="399468" cy="523220"/>
+          </a:xfrm>
+          <a:prstGeom prst="rect">
+            <a:avLst/>
+          </a:prstGeom>
+          <a:noFill/>
+        </p:spPr>
+        <p:txBody>
+          <a:bodyPr wrap="none" lIns="91440" tIns="45720" rIns="91440" bIns="45720">
+            <a:spAutoFit/>
+          </a:bodyPr>
+          <a:lstStyle/>
+          <a:p>
+            <a:pPr algn="ctr"/>
+            <a:r>
+              <a:rPr lang="en-US" sz="2800" dirty="0">
+                <a:ln w="0"/>
+                <a:effectLst>
+                  <a:outerShdw blurRad="38100" dist="19050" dir="2700000" algn="tl" rotWithShape="0">
+                    <a:schemeClr val="dk1">
+                      <a:alpha val="40000"/>
+                    </a:schemeClr>
+                  </a:outerShdw>
+                </a:effectLst>
+                <a:latin typeface="Courier" pitchFamily="2" charset="0"/>
+              </a:rPr>
+              <a:t>3</a:t>
+            </a:r>
+          </a:p>
+        </p:txBody>
+      </p:sp>
+      <p:sp>
+        <p:nvSpPr>
+          <p:cNvPr id="45" name="Rectangle 44">
+            <a:extLst>
+              <a:ext uri="{FF2B5EF4-FFF2-40B4-BE49-F238E27FC236}">
+                <a16:creationId xmlns:a16="http://schemas.microsoft.com/office/drawing/2014/main" id="{A67ECA27-4DF1-7D03-D058-1F0F78E61113}"/>
+              </a:ext>
+            </a:extLst>
+          </p:cNvPr>
+          <p:cNvSpPr/>
+          <p:nvPr/>
+        </p:nvSpPr>
+        <p:spPr>
+          <a:xfrm>
+            <a:off x="7988570" y="2765477"/>
+            <a:ext cx="399468" cy="523220"/>
+          </a:xfrm>
+          <a:prstGeom prst="rect">
+            <a:avLst/>
+          </a:prstGeom>
+          <a:noFill/>
+        </p:spPr>
+        <p:txBody>
+          <a:bodyPr wrap="none" lIns="91440" tIns="45720" rIns="91440" bIns="45720">
+            <a:spAutoFit/>
+          </a:bodyPr>
+          <a:lstStyle/>
+          <a:p>
+            <a:pPr algn="ctr"/>
+            <a:r>
+              <a:rPr lang="en-US" sz="2800" dirty="0">
+                <a:ln w="0"/>
+                <a:effectLst>
+                  <a:outerShdw blurRad="38100" dist="19050" dir="2700000" algn="tl" rotWithShape="0">
+                    <a:schemeClr val="dk1">
+                      <a:alpha val="40000"/>
+                    </a:schemeClr>
+                  </a:outerShdw>
+                </a:effectLst>
+                <a:latin typeface="Courier" pitchFamily="2" charset="0"/>
+              </a:rPr>
+              <a:t>7</a:t>
+            </a:r>
+          </a:p>
+        </p:txBody>
+      </p:sp>
+      <p:sp>
+        <p:nvSpPr>
+          <p:cNvPr id="46" name="Rectangle 45">
+            <a:extLst>
+              <a:ext uri="{FF2B5EF4-FFF2-40B4-BE49-F238E27FC236}">
+                <a16:creationId xmlns:a16="http://schemas.microsoft.com/office/drawing/2014/main" id="{BCB6AA76-0260-F596-B632-C4ADA7E721FD}"/>
+              </a:ext>
+            </a:extLst>
+          </p:cNvPr>
+          <p:cNvSpPr/>
+          <p:nvPr/>
+        </p:nvSpPr>
+        <p:spPr>
+          <a:xfrm>
+            <a:off x="7975318" y="3269054"/>
+            <a:ext cx="399468" cy="523220"/>
+          </a:xfrm>
+          <a:prstGeom prst="rect">
+            <a:avLst/>
+          </a:prstGeom>
+          <a:noFill/>
+        </p:spPr>
+        <p:txBody>
+          <a:bodyPr wrap="none" lIns="91440" tIns="45720" rIns="91440" bIns="45720">
+            <a:spAutoFit/>
+          </a:bodyPr>
+          <a:lstStyle/>
+          <a:p>
+            <a:pPr algn="ctr"/>
+            <a:r>
+              <a:rPr lang="en-US" sz="2800" dirty="0">
+                <a:ln w="0"/>
+                <a:effectLst>
+                  <a:outerShdw blurRad="38100" dist="19050" dir="2700000" algn="tl" rotWithShape="0">
+                    <a:schemeClr val="dk1">
+                      <a:alpha val="40000"/>
+                    </a:schemeClr>
+                  </a:outerShdw>
+                </a:effectLst>
+                <a:latin typeface="Courier" pitchFamily="2" charset="0"/>
+              </a:rPr>
+              <a:t>1</a:t>
             </a:r>
           </a:p>
         </p:txBody>
@@ -13098,7 +13061,7 @@
     </p:spTree>
     <p:extLst>
       <p:ext uri="{BB962C8B-B14F-4D97-AF65-F5344CB8AC3E}">
-        <p14:creationId xmlns:p14="http://schemas.microsoft.com/office/powerpoint/2010/main" val="4048794534"/>
+        <p14:creationId xmlns:p14="http://schemas.microsoft.com/office/powerpoint/2010/main" val="2092641110"/>
       </p:ext>
     </p:extLst>
   </p:cSld>
@@ -13233,17 +13196,7 @@
             <a:pPr lvl="1"/>
             <a:r>
               <a:rPr lang="en-US" sz="2600" dirty="0"/>
-              <a:t>Order rows by value of a column(s) from low to high. Use </a:t>
-            </a:r>
-            <a:r>
-              <a:rPr lang="en-US" sz="2600" dirty="0">
-                <a:latin typeface="Courier" pitchFamily="2" charset="0"/>
-              </a:rPr>
-              <a:t>desc() </a:t>
-            </a:r>
-            <a:r>
-              <a:rPr lang="en-US" sz="2600" dirty="0"/>
-              <a:t>to go from high to low. Ex. </a:t>
+              <a:t>Order rows by value of a column(s) from low to high. Ex. </a:t>
             </a:r>
           </a:p>
         </p:txBody>
@@ -13352,7 +13305,7 @@
                 </a:solidFill>
                 <a:latin typeface="Courier" pitchFamily="2" charset="0"/>
               </a:rPr>
-              <a:t>	arrange(desc(a0))</a:t>
+              <a:t>	arrange(a0)</a:t>
             </a:r>
           </a:p>
         </p:txBody>
@@ -13579,7 +13532,7 @@
                 </a:effectLst>
                 <a:latin typeface="Courier" pitchFamily="2" charset="0"/>
               </a:rPr>
-              <a:t>3</a:t>
+              <a:t>2</a:t>
             </a:r>
           </a:p>
         </p:txBody>
@@ -13625,7 +13578,7 @@
                 </a:effectLst>
                 <a:latin typeface="Courier" pitchFamily="2" charset="0"/>
               </a:rPr>
-              <a:t>0</a:t>
+              <a:t>5</a:t>
             </a:r>
           </a:p>
         </p:txBody>
@@ -13671,7 +13624,7 @@
                 </a:effectLst>
                 <a:latin typeface="Courier" pitchFamily="2" charset="0"/>
               </a:rPr>
-              <a:t>5</a:t>
+              <a:t>0</a:t>
             </a:r>
           </a:p>
         </p:txBody>
@@ -13898,6 +13851,998 @@
                 </a:effectLst>
                 <a:latin typeface="Courier" pitchFamily="2" charset="0"/>
               </a:rPr>
+              <a:t>0</a:t>
+            </a:r>
+          </a:p>
+        </p:txBody>
+      </p:sp>
+      <p:sp>
+        <p:nvSpPr>
+          <p:cNvPr id="42" name="Rectangle 41">
+            <a:extLst>
+              <a:ext uri="{FF2B5EF4-FFF2-40B4-BE49-F238E27FC236}">
+                <a16:creationId xmlns:a16="http://schemas.microsoft.com/office/drawing/2014/main" id="{4C94FB20-8C52-D841-C7DA-D33739B94228}"/>
+              </a:ext>
+            </a:extLst>
+          </p:cNvPr>
+          <p:cNvSpPr/>
+          <p:nvPr/>
+        </p:nvSpPr>
+        <p:spPr>
+          <a:xfrm>
+            <a:off x="6974780" y="2732346"/>
+            <a:ext cx="399468" cy="523220"/>
+          </a:xfrm>
+          <a:prstGeom prst="rect">
+            <a:avLst/>
+          </a:prstGeom>
+          <a:noFill/>
+        </p:spPr>
+        <p:txBody>
+          <a:bodyPr wrap="none" lIns="91440" tIns="45720" rIns="91440" bIns="45720">
+            <a:spAutoFit/>
+          </a:bodyPr>
+          <a:lstStyle/>
+          <a:p>
+            <a:pPr algn="ctr"/>
+            <a:r>
+              <a:rPr lang="en-US" sz="2800" dirty="0">
+                <a:ln w="0"/>
+                <a:effectLst>
+                  <a:outerShdw blurRad="38100" dist="19050" dir="2700000" algn="tl" rotWithShape="0">
+                    <a:schemeClr val="dk1">
+                      <a:alpha val="40000"/>
+                    </a:schemeClr>
+                  </a:outerShdw>
+                </a:effectLst>
+                <a:latin typeface="Courier" pitchFamily="2" charset="0"/>
+              </a:rPr>
+              <a:t>2</a:t>
+            </a:r>
+          </a:p>
+        </p:txBody>
+      </p:sp>
+      <p:sp>
+        <p:nvSpPr>
+          <p:cNvPr id="43" name="Rectangle 42">
+            <a:extLst>
+              <a:ext uri="{FF2B5EF4-FFF2-40B4-BE49-F238E27FC236}">
+                <a16:creationId xmlns:a16="http://schemas.microsoft.com/office/drawing/2014/main" id="{8CE6E607-C5D9-523B-61A1-89E52860D971}"/>
+              </a:ext>
+            </a:extLst>
+          </p:cNvPr>
+          <p:cNvSpPr/>
+          <p:nvPr/>
+        </p:nvSpPr>
+        <p:spPr>
+          <a:xfrm>
+            <a:off x="6974780" y="3222671"/>
+            <a:ext cx="399468" cy="523220"/>
+          </a:xfrm>
+          <a:prstGeom prst="rect">
+            <a:avLst/>
+          </a:prstGeom>
+          <a:noFill/>
+        </p:spPr>
+        <p:txBody>
+          <a:bodyPr wrap="none" lIns="91440" tIns="45720" rIns="91440" bIns="45720">
+            <a:spAutoFit/>
+          </a:bodyPr>
+          <a:lstStyle/>
+          <a:p>
+            <a:pPr algn="ctr"/>
+            <a:r>
+              <a:rPr lang="en-US" sz="2800" dirty="0">
+                <a:ln w="0"/>
+                <a:effectLst>
+                  <a:outerShdw blurRad="38100" dist="19050" dir="2700000" algn="tl" rotWithShape="0">
+                    <a:schemeClr val="dk1">
+                      <a:alpha val="40000"/>
+                    </a:schemeClr>
+                  </a:outerShdw>
+                </a:effectLst>
+                <a:latin typeface="Courier" pitchFamily="2" charset="0"/>
+              </a:rPr>
+              <a:t>3</a:t>
+            </a:r>
+          </a:p>
+        </p:txBody>
+      </p:sp>
+      <p:sp>
+        <p:nvSpPr>
+          <p:cNvPr id="37" name="Rectangle 36">
+            <a:extLst>
+              <a:ext uri="{FF2B5EF4-FFF2-40B4-BE49-F238E27FC236}">
+                <a16:creationId xmlns:a16="http://schemas.microsoft.com/office/drawing/2014/main" id="{6CBB9B0B-DDAC-6BB2-057E-DD712E521803}"/>
+              </a:ext>
+            </a:extLst>
+          </p:cNvPr>
+          <p:cNvSpPr/>
+          <p:nvPr/>
+        </p:nvSpPr>
+        <p:spPr>
+          <a:xfrm>
+            <a:off x="4682152" y="3620235"/>
+            <a:ext cx="399468" cy="523220"/>
+          </a:xfrm>
+          <a:prstGeom prst="rect">
+            <a:avLst/>
+          </a:prstGeom>
+          <a:noFill/>
+        </p:spPr>
+        <p:txBody>
+          <a:bodyPr wrap="none" lIns="91440" tIns="45720" rIns="91440" bIns="45720">
+            <a:spAutoFit/>
+          </a:bodyPr>
+          <a:lstStyle/>
+          <a:p>
+            <a:pPr algn="ctr"/>
+            <a:r>
+              <a:rPr lang="en-US" sz="2800" dirty="0">
+                <a:ln w="0"/>
+                <a:effectLst>
+                  <a:outerShdw blurRad="38100" dist="19050" dir="2700000" algn="tl" rotWithShape="0">
+                    <a:schemeClr val="dk1">
+                      <a:alpha val="40000"/>
+                    </a:schemeClr>
+                  </a:outerShdw>
+                </a:effectLst>
+                <a:latin typeface="Courier" pitchFamily="2" charset="0"/>
+              </a:rPr>
+              <a:t>3</a:t>
+            </a:r>
+          </a:p>
+        </p:txBody>
+      </p:sp>
+      <p:sp>
+        <p:nvSpPr>
+          <p:cNvPr id="38" name="Rectangle 37">
+            <a:extLst>
+              <a:ext uri="{FF2B5EF4-FFF2-40B4-BE49-F238E27FC236}">
+                <a16:creationId xmlns:a16="http://schemas.microsoft.com/office/drawing/2014/main" id="{372801C9-5B70-8B9B-E011-03B660928AFE}"/>
+              </a:ext>
+            </a:extLst>
+          </p:cNvPr>
+          <p:cNvSpPr/>
+          <p:nvPr/>
+        </p:nvSpPr>
+        <p:spPr>
+          <a:xfrm>
+            <a:off x="6968152" y="3675285"/>
+            <a:ext cx="399468" cy="523220"/>
+          </a:xfrm>
+          <a:prstGeom prst="rect">
+            <a:avLst/>
+          </a:prstGeom>
+          <a:noFill/>
+        </p:spPr>
+        <p:txBody>
+          <a:bodyPr wrap="none" lIns="91440" tIns="45720" rIns="91440" bIns="45720">
+            <a:spAutoFit/>
+          </a:bodyPr>
+          <a:lstStyle/>
+          <a:p>
+            <a:pPr algn="ctr"/>
+            <a:r>
+              <a:rPr lang="en-US" sz="2800" dirty="0">
+                <a:ln w="0"/>
+                <a:effectLst>
+                  <a:outerShdw blurRad="38100" dist="19050" dir="2700000" algn="tl" rotWithShape="0">
+                    <a:schemeClr val="dk1">
+                      <a:alpha val="40000"/>
+                    </a:schemeClr>
+                  </a:outerShdw>
+                </a:effectLst>
+                <a:latin typeface="Courier" pitchFamily="2" charset="0"/>
+              </a:rPr>
+              <a:t>5</a:t>
+            </a:r>
+          </a:p>
+        </p:txBody>
+      </p:sp>
+    </p:spTree>
+    <p:extLst>
+      <p:ext uri="{BB962C8B-B14F-4D97-AF65-F5344CB8AC3E}">
+        <p14:creationId xmlns:p14="http://schemas.microsoft.com/office/powerpoint/2010/main" val="4048794534"/>
+      </p:ext>
+    </p:extLst>
+  </p:cSld>
+  <p:clrMapOvr>
+    <a:masterClrMapping/>
+  </p:clrMapOvr>
+</p:sld>
+</file>
+
+<file path=ppt/slides/slide24.xml><?xml version="1.0" encoding="utf-8"?>
+<p:sld xmlns:a="http://schemas.openxmlformats.org/drawingml/2006/main" xmlns:r="http://schemas.openxmlformats.org/officeDocument/2006/relationships" xmlns:p="http://schemas.openxmlformats.org/presentationml/2006/main">
+  <p:cSld>
+    <p:spTree>
+      <p:nvGrpSpPr>
+        <p:cNvPr id="1" name=""/>
+        <p:cNvGrpSpPr/>
+        <p:nvPr/>
+      </p:nvGrpSpPr>
+      <p:grpSpPr>
+        <a:xfrm>
+          <a:off x="0" y="0"/>
+          <a:ext cx="0" cy="0"/>
+          <a:chOff x="0" y="0"/>
+          <a:chExt cx="0" cy="0"/>
+        </a:xfrm>
+      </p:grpSpPr>
+      <p:pic>
+        <p:nvPicPr>
+          <p:cNvPr id="5" name="Picture 4" descr="Shape&#10;&#10;Description automatically generated">
+            <a:extLst>
+              <a:ext uri="{FF2B5EF4-FFF2-40B4-BE49-F238E27FC236}">
+                <a16:creationId xmlns:a16="http://schemas.microsoft.com/office/drawing/2014/main" id="{534CEF08-45CD-0CEA-1D5C-9FB81FCBB888}"/>
+              </a:ext>
+            </a:extLst>
+          </p:cNvPr>
+          <p:cNvPicPr>
+            <a:picLocks noChangeAspect="1"/>
+          </p:cNvPicPr>
+          <p:nvPr/>
+        </p:nvPicPr>
+        <p:blipFill>
+          <a:blip r:embed="rId2"/>
+          <a:stretch>
+            <a:fillRect/>
+          </a:stretch>
+        </p:blipFill>
+        <p:spPr>
+          <a:xfrm>
+            <a:off x="4243736" y="1473202"/>
+            <a:ext cx="4429818" cy="3200400"/>
+          </a:xfrm>
+          <a:prstGeom prst="rect">
+            <a:avLst/>
+          </a:prstGeom>
+        </p:spPr>
+      </p:pic>
+      <p:sp>
+        <p:nvSpPr>
+          <p:cNvPr id="3" name="Content Placeholder 2">
+            <a:extLst>
+              <a:ext uri="{FF2B5EF4-FFF2-40B4-BE49-F238E27FC236}">
+                <a16:creationId xmlns:a16="http://schemas.microsoft.com/office/drawing/2014/main" id="{EE2D95F3-876D-BA1B-1C7A-74E262A4A6CD}"/>
+              </a:ext>
+            </a:extLst>
+          </p:cNvPr>
+          <p:cNvSpPr>
+            <a:spLocks noGrp="1"/>
+          </p:cNvSpPr>
+          <p:nvPr>
+            <p:ph idx="1"/>
+          </p:nvPr>
+        </p:nvSpPr>
+        <p:spPr>
+          <a:xfrm>
+            <a:off x="3869268" y="864108"/>
+            <a:ext cx="7750646" cy="5120640"/>
+          </a:xfrm>
+        </p:spPr>
+        <p:txBody>
+          <a:bodyPr anchor="t">
+            <a:normAutofit/>
+          </a:bodyPr>
+          <a:lstStyle/>
+          <a:p>
+            <a:pPr marL="0" indent="0">
+              <a:buNone/>
+            </a:pPr>
+            <a:r>
+              <a:rPr lang="en-US" sz="2800" b="1" dirty="0">
+                <a:latin typeface="Courier" pitchFamily="2" charset="0"/>
+              </a:rPr>
+              <a:t>arrange() </a:t>
+            </a:r>
+            <a:r>
+              <a:rPr lang="en-US" sz="2800" dirty="0"/>
+              <a:t>the rows in a specific order</a:t>
+            </a:r>
+          </a:p>
+          <a:p>
+            <a:pPr marL="0" indent="0">
+              <a:buNone/>
+            </a:pPr>
+            <a:endParaRPr lang="en-US" sz="2800" dirty="0"/>
+          </a:p>
+          <a:p>
+            <a:pPr marL="0" indent="0">
+              <a:buNone/>
+            </a:pPr>
+            <a:endParaRPr lang="en-US" sz="2800" dirty="0"/>
+          </a:p>
+          <a:p>
+            <a:pPr marL="0" indent="0">
+              <a:buNone/>
+            </a:pPr>
+            <a:endParaRPr lang="en-US" sz="2800" dirty="0"/>
+          </a:p>
+          <a:p>
+            <a:pPr marL="0" indent="0">
+              <a:buNone/>
+            </a:pPr>
+            <a:endParaRPr lang="en-US" sz="2800" dirty="0"/>
+          </a:p>
+          <a:p>
+            <a:pPr lvl="1"/>
+            <a:endParaRPr lang="en-US" sz="2600" dirty="0"/>
+          </a:p>
+          <a:p>
+            <a:pPr lvl="1"/>
+            <a:endParaRPr lang="en-US" sz="2600" dirty="0"/>
+          </a:p>
+          <a:p>
+            <a:pPr lvl="1"/>
+            <a:r>
+              <a:rPr lang="en-US" sz="2600" dirty="0"/>
+              <a:t>Order rows by value of a column(s) from low to high. Use </a:t>
+            </a:r>
+            <a:r>
+              <a:rPr lang="en-US" sz="2600" dirty="0">
+                <a:latin typeface="Courier" pitchFamily="2" charset="0"/>
+              </a:rPr>
+              <a:t>desc() </a:t>
+            </a:r>
+            <a:r>
+              <a:rPr lang="en-US" sz="2600" dirty="0"/>
+              <a:t>to go from high to low. Ex. </a:t>
+            </a:r>
+          </a:p>
+        </p:txBody>
+      </p:sp>
+      <p:sp>
+        <p:nvSpPr>
+          <p:cNvPr id="2" name="Title 1">
+            <a:extLst>
+              <a:ext uri="{FF2B5EF4-FFF2-40B4-BE49-F238E27FC236}">
+                <a16:creationId xmlns:a16="http://schemas.microsoft.com/office/drawing/2014/main" id="{A37F20A1-B9B8-F8C1-AC48-36671967C2B5}"/>
+              </a:ext>
+            </a:extLst>
+          </p:cNvPr>
+          <p:cNvSpPr>
+            <a:spLocks noGrp="1"/>
+          </p:cNvSpPr>
+          <p:nvPr>
+            <p:ph type="title"/>
+          </p:nvPr>
+        </p:nvSpPr>
+        <p:spPr/>
+        <p:txBody>
+          <a:bodyPr/>
+          <a:lstStyle/>
+          <a:p>
+            <a:r>
+              <a:rPr lang="en-US" dirty="0"/>
+              <a:t>The 5 Verbs: </a:t>
+            </a:r>
+            <a:r>
+              <a:rPr lang="en-US" dirty="0" err="1">
+                <a:latin typeface="Courier" pitchFamily="2" charset="0"/>
+              </a:rPr>
+              <a:t>dplyr</a:t>
+            </a:r>
+            <a:endParaRPr lang="en-US" dirty="0">
+              <a:latin typeface="Courier" pitchFamily="2" charset="0"/>
+            </a:endParaRPr>
+          </a:p>
+        </p:txBody>
+      </p:sp>
+      <p:sp>
+        <p:nvSpPr>
+          <p:cNvPr id="6" name="Rectangle 5">
+            <a:extLst>
+              <a:ext uri="{FF2B5EF4-FFF2-40B4-BE49-F238E27FC236}">
+                <a16:creationId xmlns:a16="http://schemas.microsoft.com/office/drawing/2014/main" id="{4B8C8884-7FD9-2275-95BF-467B2374BB1C}"/>
+              </a:ext>
+            </a:extLst>
+          </p:cNvPr>
+          <p:cNvSpPr/>
+          <p:nvPr/>
+        </p:nvSpPr>
+        <p:spPr>
+          <a:xfrm>
+            <a:off x="4662272" y="5099712"/>
+            <a:ext cx="4863915" cy="1128518"/>
+          </a:xfrm>
+          <a:prstGeom prst="rect">
+            <a:avLst/>
+          </a:prstGeom>
+          <a:solidFill>
+            <a:schemeClr val="bg1">
+              <a:lumMod val="95000"/>
+            </a:schemeClr>
+          </a:solidFill>
+          <a:ln>
+            <a:noFill/>
+          </a:ln>
+        </p:spPr>
+        <p:style>
+          <a:lnRef idx="2">
+            <a:schemeClr val="accent4">
+              <a:shade val="50000"/>
+            </a:schemeClr>
+          </a:lnRef>
+          <a:fillRef idx="1">
+            <a:schemeClr val="accent4"/>
+          </a:fillRef>
+          <a:effectRef idx="0">
+            <a:schemeClr val="accent4"/>
+          </a:effectRef>
+          <a:fontRef idx="minor">
+            <a:schemeClr val="lt1"/>
+          </a:fontRef>
+        </p:style>
+        <p:txBody>
+          <a:bodyPr rtlCol="0" anchor="ctr"/>
+          <a:lstStyle/>
+          <a:p>
+            <a:r>
+              <a:rPr lang="en-US" sz="2000" dirty="0">
+                <a:solidFill>
+                  <a:schemeClr val="tx1"/>
+                </a:solidFill>
+                <a:latin typeface="Courier" pitchFamily="2" charset="0"/>
+              </a:rPr>
+              <a:t>data %&gt;%</a:t>
+            </a:r>
+          </a:p>
+          <a:p>
+            <a:r>
+              <a:rPr lang="en-US" sz="2000" dirty="0">
+                <a:solidFill>
+                  <a:schemeClr val="tx1"/>
+                </a:solidFill>
+                <a:latin typeface="Courier" pitchFamily="2" charset="0"/>
+              </a:rPr>
+              <a:t>	arrange(desc(a0))</a:t>
+            </a:r>
+          </a:p>
+        </p:txBody>
+      </p:sp>
+      <p:sp>
+        <p:nvSpPr>
+          <p:cNvPr id="16" name="Rectangle 15">
+            <a:extLst>
+              <a:ext uri="{FF2B5EF4-FFF2-40B4-BE49-F238E27FC236}">
+                <a16:creationId xmlns:a16="http://schemas.microsoft.com/office/drawing/2014/main" id="{01D988D5-97BA-2250-33E7-0177349A9325}"/>
+              </a:ext>
+            </a:extLst>
+          </p:cNvPr>
+          <p:cNvSpPr/>
+          <p:nvPr/>
+        </p:nvSpPr>
+        <p:spPr>
+          <a:xfrm>
+            <a:off x="4539566" y="1731810"/>
+            <a:ext cx="614271" cy="523220"/>
+          </a:xfrm>
+          <a:prstGeom prst="rect">
+            <a:avLst/>
+          </a:prstGeom>
+          <a:noFill/>
+        </p:spPr>
+        <p:txBody>
+          <a:bodyPr wrap="none" lIns="91440" tIns="45720" rIns="91440" bIns="45720">
+            <a:spAutoFit/>
+          </a:bodyPr>
+          <a:lstStyle/>
+          <a:p>
+            <a:pPr algn="ctr"/>
+            <a:r>
+              <a:rPr lang="en-US" sz="2800" b="1" cap="none" spc="0" dirty="0">
+                <a:ln w="10160">
+                  <a:solidFill>
+                    <a:schemeClr val="accent5"/>
+                  </a:solidFill>
+                  <a:prstDash val="solid"/>
+                </a:ln>
+                <a:solidFill>
+                  <a:srgbClr val="FFFFFF"/>
+                </a:solidFill>
+                <a:effectLst>
+                  <a:outerShdw blurRad="38100" dist="22860" dir="5400000" algn="tl" rotWithShape="0">
+                    <a:srgbClr val="000000">
+                      <a:alpha val="30000"/>
+                    </a:srgbClr>
+                  </a:outerShdw>
+                </a:effectLst>
+                <a:latin typeface="Courier" pitchFamily="2" charset="0"/>
+              </a:rPr>
+              <a:t>a0</a:t>
+            </a:r>
+          </a:p>
+        </p:txBody>
+      </p:sp>
+      <p:sp>
+        <p:nvSpPr>
+          <p:cNvPr id="17" name="Rectangle 16">
+            <a:extLst>
+              <a:ext uri="{FF2B5EF4-FFF2-40B4-BE49-F238E27FC236}">
+                <a16:creationId xmlns:a16="http://schemas.microsoft.com/office/drawing/2014/main" id="{BCF0E3BC-3DDF-6303-49BD-5605683B993A}"/>
+              </a:ext>
+            </a:extLst>
+          </p:cNvPr>
+          <p:cNvSpPr/>
+          <p:nvPr/>
+        </p:nvSpPr>
+        <p:spPr>
+          <a:xfrm>
+            <a:off x="5058450" y="1731810"/>
+            <a:ext cx="614271" cy="523220"/>
+          </a:xfrm>
+          <a:prstGeom prst="rect">
+            <a:avLst/>
+          </a:prstGeom>
+          <a:noFill/>
+        </p:spPr>
+        <p:txBody>
+          <a:bodyPr wrap="none" lIns="91440" tIns="45720" rIns="91440" bIns="45720">
+            <a:spAutoFit/>
+          </a:bodyPr>
+          <a:lstStyle/>
+          <a:p>
+            <a:pPr algn="ctr"/>
+            <a:r>
+              <a:rPr lang="en-US" sz="2800" b="1" cap="none" spc="0" dirty="0">
+                <a:ln w="10160">
+                  <a:solidFill>
+                    <a:schemeClr val="accent5"/>
+                  </a:solidFill>
+                  <a:prstDash val="solid"/>
+                </a:ln>
+                <a:solidFill>
+                  <a:srgbClr val="FFFFFF"/>
+                </a:solidFill>
+                <a:effectLst>
+                  <a:outerShdw blurRad="38100" dist="22860" dir="5400000" algn="tl" rotWithShape="0">
+                    <a:srgbClr val="000000">
+                      <a:alpha val="30000"/>
+                    </a:srgbClr>
+                  </a:outerShdw>
+                </a:effectLst>
+                <a:latin typeface="Courier" pitchFamily="2" charset="0"/>
+              </a:rPr>
+              <a:t>a1</a:t>
+            </a:r>
+          </a:p>
+        </p:txBody>
+      </p:sp>
+      <p:sp>
+        <p:nvSpPr>
+          <p:cNvPr id="18" name="Rectangle 17">
+            <a:extLst>
+              <a:ext uri="{FF2B5EF4-FFF2-40B4-BE49-F238E27FC236}">
+                <a16:creationId xmlns:a16="http://schemas.microsoft.com/office/drawing/2014/main" id="{D65D1DA7-F682-FD31-3471-21BA45712BC4}"/>
+              </a:ext>
+            </a:extLst>
+          </p:cNvPr>
+          <p:cNvSpPr/>
+          <p:nvPr/>
+        </p:nvSpPr>
+        <p:spPr>
+          <a:xfrm>
+            <a:off x="5564190" y="1734882"/>
+            <a:ext cx="614271" cy="523220"/>
+          </a:xfrm>
+          <a:prstGeom prst="rect">
+            <a:avLst/>
+          </a:prstGeom>
+          <a:noFill/>
+        </p:spPr>
+        <p:txBody>
+          <a:bodyPr wrap="none" lIns="91440" tIns="45720" rIns="91440" bIns="45720">
+            <a:spAutoFit/>
+          </a:bodyPr>
+          <a:lstStyle/>
+          <a:p>
+            <a:pPr algn="ctr"/>
+            <a:r>
+              <a:rPr lang="en-US" sz="2800" b="1" dirty="0">
+                <a:ln w="10160">
+                  <a:solidFill>
+                    <a:schemeClr val="accent5"/>
+                  </a:solidFill>
+                  <a:prstDash val="solid"/>
+                </a:ln>
+                <a:solidFill>
+                  <a:srgbClr val="FFFFFF"/>
+                </a:solidFill>
+                <a:effectLst>
+                  <a:outerShdw blurRad="38100" dist="22860" dir="5400000" algn="tl" rotWithShape="0">
+                    <a:srgbClr val="000000">
+                      <a:alpha val="30000"/>
+                    </a:srgbClr>
+                  </a:outerShdw>
+                </a:effectLst>
+                <a:latin typeface="Courier" pitchFamily="2" charset="0"/>
+              </a:rPr>
+              <a:t>b1</a:t>
+            </a:r>
+            <a:endParaRPr lang="en-US" sz="2800" b="1" cap="none" spc="0" dirty="0">
+              <a:ln w="10160">
+                <a:solidFill>
+                  <a:schemeClr val="accent5"/>
+                </a:solidFill>
+                <a:prstDash val="solid"/>
+              </a:ln>
+              <a:solidFill>
+                <a:srgbClr val="FFFFFF"/>
+              </a:solidFill>
+              <a:effectLst>
+                <a:outerShdw blurRad="38100" dist="22860" dir="5400000" algn="tl" rotWithShape="0">
+                  <a:srgbClr val="000000">
+                    <a:alpha val="30000"/>
+                  </a:srgbClr>
+                </a:outerShdw>
+              </a:effectLst>
+              <a:latin typeface="Courier" pitchFamily="2" charset="0"/>
+            </a:endParaRPr>
+          </a:p>
+        </p:txBody>
+      </p:sp>
+      <p:sp>
+        <p:nvSpPr>
+          <p:cNvPr id="21" name="Rectangle 20">
+            <a:extLst>
+              <a:ext uri="{FF2B5EF4-FFF2-40B4-BE49-F238E27FC236}">
+                <a16:creationId xmlns:a16="http://schemas.microsoft.com/office/drawing/2014/main" id="{5A9A0C49-F093-0F3B-1738-97C81799FD73}"/>
+              </a:ext>
+            </a:extLst>
+          </p:cNvPr>
+          <p:cNvSpPr/>
+          <p:nvPr/>
+        </p:nvSpPr>
+        <p:spPr>
+          <a:xfrm>
+            <a:off x="4679669" y="2178150"/>
+            <a:ext cx="399468" cy="523220"/>
+          </a:xfrm>
+          <a:prstGeom prst="rect">
+            <a:avLst/>
+          </a:prstGeom>
+          <a:noFill/>
+        </p:spPr>
+        <p:txBody>
+          <a:bodyPr wrap="none" lIns="91440" tIns="45720" rIns="91440" bIns="45720">
+            <a:spAutoFit/>
+          </a:bodyPr>
+          <a:lstStyle/>
+          <a:p>
+            <a:pPr algn="ctr"/>
+            <a:r>
+              <a:rPr lang="en-US" sz="2800" dirty="0">
+                <a:ln w="0"/>
+                <a:effectLst>
+                  <a:outerShdw blurRad="38100" dist="19050" dir="2700000" algn="tl" rotWithShape="0">
+                    <a:schemeClr val="dk1">
+                      <a:alpha val="40000"/>
+                    </a:schemeClr>
+                  </a:outerShdw>
+                </a:effectLst>
+                <a:latin typeface="Courier" pitchFamily="2" charset="0"/>
+              </a:rPr>
+              <a:t>3</a:t>
+            </a:r>
+          </a:p>
+        </p:txBody>
+      </p:sp>
+      <p:sp>
+        <p:nvSpPr>
+          <p:cNvPr id="22" name="Rectangle 21">
+            <a:extLst>
+              <a:ext uri="{FF2B5EF4-FFF2-40B4-BE49-F238E27FC236}">
+                <a16:creationId xmlns:a16="http://schemas.microsoft.com/office/drawing/2014/main" id="{33D6C51C-585A-7AC3-6EFB-B0D4C49F92E1}"/>
+              </a:ext>
+            </a:extLst>
+          </p:cNvPr>
+          <p:cNvSpPr/>
+          <p:nvPr/>
+        </p:nvSpPr>
+        <p:spPr>
+          <a:xfrm>
+            <a:off x="4675524" y="2699216"/>
+            <a:ext cx="399468" cy="523220"/>
+          </a:xfrm>
+          <a:prstGeom prst="rect">
+            <a:avLst/>
+          </a:prstGeom>
+          <a:noFill/>
+        </p:spPr>
+        <p:txBody>
+          <a:bodyPr wrap="none" lIns="91440" tIns="45720" rIns="91440" bIns="45720">
+            <a:spAutoFit/>
+          </a:bodyPr>
+          <a:lstStyle/>
+          <a:p>
+            <a:pPr algn="ctr"/>
+            <a:r>
+              <a:rPr lang="en-US" sz="2800" dirty="0">
+                <a:ln w="0"/>
+                <a:effectLst>
+                  <a:outerShdw blurRad="38100" dist="19050" dir="2700000" algn="tl" rotWithShape="0">
+                    <a:schemeClr val="dk1">
+                      <a:alpha val="40000"/>
+                    </a:schemeClr>
+                  </a:outerShdw>
+                </a:effectLst>
+                <a:latin typeface="Courier" pitchFamily="2" charset="0"/>
+              </a:rPr>
+              <a:t>0</a:t>
+            </a:r>
+          </a:p>
+        </p:txBody>
+      </p:sp>
+      <p:sp>
+        <p:nvSpPr>
+          <p:cNvPr id="24" name="Rectangle 23">
+            <a:extLst>
+              <a:ext uri="{FF2B5EF4-FFF2-40B4-BE49-F238E27FC236}">
+                <a16:creationId xmlns:a16="http://schemas.microsoft.com/office/drawing/2014/main" id="{D169869C-A7E9-7264-54FD-F5560683ACC8}"/>
+              </a:ext>
+            </a:extLst>
+          </p:cNvPr>
+          <p:cNvSpPr/>
+          <p:nvPr/>
+        </p:nvSpPr>
+        <p:spPr>
+          <a:xfrm>
+            <a:off x="4662272" y="3163037"/>
+            <a:ext cx="399468" cy="523220"/>
+          </a:xfrm>
+          <a:prstGeom prst="rect">
+            <a:avLst/>
+          </a:prstGeom>
+          <a:noFill/>
+        </p:spPr>
+        <p:txBody>
+          <a:bodyPr wrap="none" lIns="91440" tIns="45720" rIns="91440" bIns="45720">
+            <a:spAutoFit/>
+          </a:bodyPr>
+          <a:lstStyle/>
+          <a:p>
+            <a:pPr algn="ctr"/>
+            <a:r>
+              <a:rPr lang="en-US" sz="2800" dirty="0">
+                <a:ln w="0"/>
+                <a:effectLst>
+                  <a:outerShdw blurRad="38100" dist="19050" dir="2700000" algn="tl" rotWithShape="0">
+                    <a:schemeClr val="dk1">
+                      <a:alpha val="40000"/>
+                    </a:schemeClr>
+                  </a:outerShdw>
+                </a:effectLst>
+                <a:latin typeface="Courier" pitchFamily="2" charset="0"/>
+              </a:rPr>
+              <a:t>5</a:t>
+            </a:r>
+          </a:p>
+        </p:txBody>
+      </p:sp>
+      <p:sp>
+        <p:nvSpPr>
+          <p:cNvPr id="33" name="Rectangle 32">
+            <a:extLst>
+              <a:ext uri="{FF2B5EF4-FFF2-40B4-BE49-F238E27FC236}">
+                <a16:creationId xmlns:a16="http://schemas.microsoft.com/office/drawing/2014/main" id="{CBA20353-2624-21D6-159D-A4DFD0045C47}"/>
+              </a:ext>
+            </a:extLst>
+          </p:cNvPr>
+          <p:cNvSpPr/>
+          <p:nvPr/>
+        </p:nvSpPr>
+        <p:spPr>
+          <a:xfrm>
+            <a:off x="6852074" y="1764942"/>
+            <a:ext cx="614271" cy="523220"/>
+          </a:xfrm>
+          <a:prstGeom prst="rect">
+            <a:avLst/>
+          </a:prstGeom>
+          <a:noFill/>
+        </p:spPr>
+        <p:txBody>
+          <a:bodyPr wrap="none" lIns="91440" tIns="45720" rIns="91440" bIns="45720">
+            <a:spAutoFit/>
+          </a:bodyPr>
+          <a:lstStyle/>
+          <a:p>
+            <a:pPr algn="ctr"/>
+            <a:r>
+              <a:rPr lang="en-US" sz="2800" b="1" cap="none" spc="0" dirty="0">
+                <a:ln w="10160">
+                  <a:solidFill>
+                    <a:schemeClr val="accent5"/>
+                  </a:solidFill>
+                  <a:prstDash val="solid"/>
+                </a:ln>
+                <a:solidFill>
+                  <a:srgbClr val="FFFFFF"/>
+                </a:solidFill>
+                <a:effectLst>
+                  <a:outerShdw blurRad="38100" dist="22860" dir="5400000" algn="tl" rotWithShape="0">
+                    <a:srgbClr val="000000">
+                      <a:alpha val="30000"/>
+                    </a:srgbClr>
+                  </a:outerShdw>
+                </a:effectLst>
+                <a:latin typeface="Courier" pitchFamily="2" charset="0"/>
+              </a:rPr>
+              <a:t>a0</a:t>
+            </a:r>
+          </a:p>
+        </p:txBody>
+      </p:sp>
+      <p:sp>
+        <p:nvSpPr>
+          <p:cNvPr id="34" name="Rectangle 33">
+            <a:extLst>
+              <a:ext uri="{FF2B5EF4-FFF2-40B4-BE49-F238E27FC236}">
+                <a16:creationId xmlns:a16="http://schemas.microsoft.com/office/drawing/2014/main" id="{A11405E5-430C-5E36-394E-E7EBBBF6E72F}"/>
+              </a:ext>
+            </a:extLst>
+          </p:cNvPr>
+          <p:cNvSpPr/>
+          <p:nvPr/>
+        </p:nvSpPr>
+        <p:spPr>
+          <a:xfrm>
+            <a:off x="7331202" y="1764942"/>
+            <a:ext cx="614271" cy="523220"/>
+          </a:xfrm>
+          <a:prstGeom prst="rect">
+            <a:avLst/>
+          </a:prstGeom>
+          <a:noFill/>
+        </p:spPr>
+        <p:txBody>
+          <a:bodyPr wrap="none" lIns="91440" tIns="45720" rIns="91440" bIns="45720">
+            <a:spAutoFit/>
+          </a:bodyPr>
+          <a:lstStyle/>
+          <a:p>
+            <a:pPr algn="ctr"/>
+            <a:r>
+              <a:rPr lang="en-US" sz="2800" b="1" cap="none" spc="0" dirty="0">
+                <a:ln w="10160">
+                  <a:solidFill>
+                    <a:schemeClr val="accent5"/>
+                  </a:solidFill>
+                  <a:prstDash val="solid"/>
+                </a:ln>
+                <a:solidFill>
+                  <a:srgbClr val="FFFFFF"/>
+                </a:solidFill>
+                <a:effectLst>
+                  <a:outerShdw blurRad="38100" dist="22860" dir="5400000" algn="tl" rotWithShape="0">
+                    <a:srgbClr val="000000">
+                      <a:alpha val="30000"/>
+                    </a:srgbClr>
+                  </a:outerShdw>
+                </a:effectLst>
+                <a:latin typeface="Courier" pitchFamily="2" charset="0"/>
+              </a:rPr>
+              <a:t>a1</a:t>
+            </a:r>
+          </a:p>
+        </p:txBody>
+      </p:sp>
+      <p:sp>
+        <p:nvSpPr>
+          <p:cNvPr id="35" name="Rectangle 34">
+            <a:extLst>
+              <a:ext uri="{FF2B5EF4-FFF2-40B4-BE49-F238E27FC236}">
+                <a16:creationId xmlns:a16="http://schemas.microsoft.com/office/drawing/2014/main" id="{564274F3-E8A3-9DAD-03BF-90C04E81A59C}"/>
+              </a:ext>
+            </a:extLst>
+          </p:cNvPr>
+          <p:cNvSpPr/>
+          <p:nvPr/>
+        </p:nvSpPr>
+        <p:spPr>
+          <a:xfrm>
+            <a:off x="7797186" y="1768014"/>
+            <a:ext cx="614271" cy="523220"/>
+          </a:xfrm>
+          <a:prstGeom prst="rect">
+            <a:avLst/>
+          </a:prstGeom>
+          <a:noFill/>
+        </p:spPr>
+        <p:txBody>
+          <a:bodyPr wrap="none" lIns="91440" tIns="45720" rIns="91440" bIns="45720">
+            <a:spAutoFit/>
+          </a:bodyPr>
+          <a:lstStyle/>
+          <a:p>
+            <a:pPr algn="ctr"/>
+            <a:r>
+              <a:rPr lang="en-US" sz="2800" b="1" dirty="0">
+                <a:ln w="10160">
+                  <a:solidFill>
+                    <a:schemeClr val="accent5"/>
+                  </a:solidFill>
+                  <a:prstDash val="solid"/>
+                </a:ln>
+                <a:solidFill>
+                  <a:srgbClr val="FFFFFF"/>
+                </a:solidFill>
+                <a:effectLst>
+                  <a:outerShdw blurRad="38100" dist="22860" dir="5400000" algn="tl" rotWithShape="0">
+                    <a:srgbClr val="000000">
+                      <a:alpha val="30000"/>
+                    </a:srgbClr>
+                  </a:outerShdw>
+                </a:effectLst>
+                <a:latin typeface="Courier" pitchFamily="2" charset="0"/>
+              </a:rPr>
+              <a:t>b1</a:t>
+            </a:r>
+            <a:endParaRPr lang="en-US" sz="2800" b="1" cap="none" spc="0" dirty="0">
+              <a:ln w="10160">
+                <a:solidFill>
+                  <a:schemeClr val="accent5"/>
+                </a:solidFill>
+                <a:prstDash val="solid"/>
+              </a:ln>
+              <a:solidFill>
+                <a:srgbClr val="FFFFFF"/>
+              </a:solidFill>
+              <a:effectLst>
+                <a:outerShdw blurRad="38100" dist="22860" dir="5400000" algn="tl" rotWithShape="0">
+                  <a:srgbClr val="000000">
+                    <a:alpha val="30000"/>
+                  </a:srgbClr>
+                </a:outerShdw>
+              </a:effectLst>
+              <a:latin typeface="Courier" pitchFamily="2" charset="0"/>
+            </a:endParaRPr>
+          </a:p>
+        </p:txBody>
+      </p:sp>
+      <p:sp>
+        <p:nvSpPr>
+          <p:cNvPr id="41" name="Rectangle 40">
+            <a:extLst>
+              <a:ext uri="{FF2B5EF4-FFF2-40B4-BE49-F238E27FC236}">
+                <a16:creationId xmlns:a16="http://schemas.microsoft.com/office/drawing/2014/main" id="{025C2D13-524F-1E10-B836-6CBEBEC1CB9C}"/>
+              </a:ext>
+            </a:extLst>
+          </p:cNvPr>
+          <p:cNvSpPr/>
+          <p:nvPr/>
+        </p:nvSpPr>
+        <p:spPr>
+          <a:xfrm>
+            <a:off x="6954901" y="2261894"/>
+            <a:ext cx="399468" cy="523220"/>
+          </a:xfrm>
+          <a:prstGeom prst="rect">
+            <a:avLst/>
+          </a:prstGeom>
+          <a:noFill/>
+        </p:spPr>
+        <p:txBody>
+          <a:bodyPr wrap="none" lIns="91440" tIns="45720" rIns="91440" bIns="45720">
+            <a:spAutoFit/>
+          </a:bodyPr>
+          <a:lstStyle/>
+          <a:p>
+            <a:pPr algn="ctr"/>
+            <a:r>
+              <a:rPr lang="en-US" sz="2800" dirty="0">
+                <a:ln w="0"/>
+                <a:effectLst>
+                  <a:outerShdw blurRad="38100" dist="19050" dir="2700000" algn="tl" rotWithShape="0">
+                    <a:schemeClr val="dk1">
+                      <a:alpha val="40000"/>
+                    </a:schemeClr>
+                  </a:outerShdw>
+                </a:effectLst>
+                <a:latin typeface="Courier" pitchFamily="2" charset="0"/>
+              </a:rPr>
               <a:t>5</a:t>
             </a:r>
           </a:p>
@@ -14100,7 +15045,7 @@
 </p:sld>
 </file>
 
-<file path=ppt/slides/slide24.xml><?xml version="1.0" encoding="utf-8"?>
+<file path=ppt/slides/slide25.xml><?xml version="1.0" encoding="utf-8"?>
 <p:sld xmlns:a="http://schemas.openxmlformats.org/drawingml/2006/main" xmlns:r="http://schemas.openxmlformats.org/officeDocument/2006/relationships" xmlns:p="http://schemas.openxmlformats.org/presentationml/2006/main">
   <p:cSld>
     <p:spTree>

--- a/slides/data-wrangling.pptx
+++ b/slides/data-wrangling.pptx
@@ -221,7 +221,7 @@
           <a:p>
             <a:fld id="{5701B432-CA49-394F-A532-26B0D002A51A}" type="datetimeFigureOut">
               <a:rPr lang="en-US" smtClean="0"/>
-              <a:t>7/15/22</a:t>
+              <a:t>7/24/22</a:t>
             </a:fld>
             <a:endParaRPr lang="en-US"/>
           </a:p>
@@ -985,7 +985,7 @@
             <a:fld id="{5586B75A-687E-405C-8A0B-8D00578BA2C3}" type="datetimeFigureOut">
               <a:rPr lang="en-US" smtClean="0"/>
               <a:pPr/>
-              <a:t>7/15/22</a:t>
+              <a:t>7/24/22</a:t>
             </a:fld>
             <a:endParaRPr lang="en-US" dirty="0"/>
           </a:p>
@@ -1157,7 +1157,7 @@
             <a:fld id="{5586B75A-687E-405C-8A0B-8D00578BA2C3}" type="datetimeFigureOut">
               <a:rPr lang="en-US" smtClean="0"/>
               <a:pPr/>
-              <a:t>7/15/22</a:t>
+              <a:t>7/24/22</a:t>
             </a:fld>
             <a:endParaRPr lang="en-US" dirty="0"/>
           </a:p>
@@ -1339,7 +1339,7 @@
             <a:fld id="{5586B75A-687E-405C-8A0B-8D00578BA2C3}" type="datetimeFigureOut">
               <a:rPr lang="en-US" smtClean="0"/>
               <a:pPr/>
-              <a:t>7/15/22</a:t>
+              <a:t>7/24/22</a:t>
             </a:fld>
             <a:endParaRPr lang="en-US" dirty="0"/>
           </a:p>
@@ -1511,7 +1511,7 @@
             <a:fld id="{5586B75A-687E-405C-8A0B-8D00578BA2C3}" type="datetimeFigureOut">
               <a:rPr lang="en-US" smtClean="0"/>
               <a:pPr/>
-              <a:t>7/15/22</a:t>
+              <a:t>7/24/22</a:t>
             </a:fld>
             <a:endParaRPr lang="en-US" dirty="0"/>
           </a:p>
@@ -1767,7 +1767,7 @@
             <a:fld id="{5586B75A-687E-405C-8A0B-8D00578BA2C3}" type="datetimeFigureOut">
               <a:rPr lang="en-US" smtClean="0"/>
               <a:pPr/>
-              <a:t>7/15/22</a:t>
+              <a:t>7/24/22</a:t>
             </a:fld>
             <a:endParaRPr lang="en-US" dirty="0"/>
           </a:p>
@@ -2057,7 +2057,7 @@
             <a:fld id="{5586B75A-687E-405C-8A0B-8D00578BA2C3}" type="datetimeFigureOut">
               <a:rPr lang="en-US" smtClean="0"/>
               <a:pPr/>
-              <a:t>7/15/22</a:t>
+              <a:t>7/24/22</a:t>
             </a:fld>
             <a:endParaRPr lang="en-US" dirty="0"/>
           </a:p>
@@ -2501,7 +2501,7 @@
             <a:fld id="{5586B75A-687E-405C-8A0B-8D00578BA2C3}" type="datetimeFigureOut">
               <a:rPr lang="en-US" smtClean="0"/>
               <a:pPr/>
-              <a:t>7/15/22</a:t>
+              <a:t>7/24/22</a:t>
             </a:fld>
             <a:endParaRPr lang="en-US" dirty="0"/>
           </a:p>
@@ -2622,7 +2622,7 @@
             <a:fld id="{5586B75A-687E-405C-8A0B-8D00578BA2C3}" type="datetimeFigureOut">
               <a:rPr lang="en-US" smtClean="0"/>
               <a:pPr/>
-              <a:t>7/15/22</a:t>
+              <a:t>7/24/22</a:t>
             </a:fld>
             <a:endParaRPr lang="en-US" dirty="0"/>
           </a:p>
@@ -2719,7 +2719,7 @@
             <a:fld id="{5586B75A-687E-405C-8A0B-8D00578BA2C3}" type="datetimeFigureOut">
               <a:rPr lang="en-US" smtClean="0"/>
               <a:pPr/>
-              <a:t>7/15/22</a:t>
+              <a:t>7/24/22</a:t>
             </a:fld>
             <a:endParaRPr lang="en-US" dirty="0"/>
           </a:p>
@@ -3009,7 +3009,7 @@
             <a:fld id="{5586B75A-687E-405C-8A0B-8D00578BA2C3}" type="datetimeFigureOut">
               <a:rPr lang="en-US" smtClean="0"/>
               <a:pPr/>
-              <a:t>7/15/22</a:t>
+              <a:t>7/24/22</a:t>
             </a:fld>
             <a:endParaRPr lang="en-US" dirty="0"/>
           </a:p>
@@ -3284,7 +3284,7 @@
             <a:fld id="{5586B75A-687E-405C-8A0B-8D00578BA2C3}" type="datetimeFigureOut">
               <a:rPr lang="en-US" smtClean="0"/>
               <a:pPr/>
-              <a:t>7/15/22</a:t>
+              <a:t>7/24/22</a:t>
             </a:fld>
             <a:endParaRPr lang="en-US" dirty="0"/>
           </a:p>
@@ -3583,7 +3583,7 @@
             <a:fld id="{5586B75A-687E-405C-8A0B-8D00578BA2C3}" type="datetimeFigureOut">
               <a:rPr lang="en-US" smtClean="0"/>
               <a:pPr/>
-              <a:t>7/15/22</a:t>
+              <a:t>7/24/22</a:t>
             </a:fld>
             <a:endParaRPr lang="en-US" dirty="0"/>
           </a:p>
